--- a/Brute-forcing a web login.pptx
+++ b/Brute-forcing a web login.pptx
@@ -121,6 +121,11 @@
       </a:defRPr>
     </a:lvl9pPr>
   </p:defaultTextStyle>
+  <p:extLst>
+    <p:ext uri="{EFAFB233-063F-42B5-8137-9DF3F51BA10A}">
+      <p15:sldGuideLst xmlns:p15="http://schemas.microsoft.com/office/powerpoint/2012/main"/>
+    </p:ext>
+  </p:extLst>
 </p:presentation>
 </file>
 
@@ -255,7 +260,7 @@
           <a:p>
             <a:fld id="{1755A49F-4B3F-496D-A8EB-2B8353536007}" type="datetimeFigureOut">
               <a:rPr lang="en-US" smtClean="0"/>
-              <a:t>11-Jun-18</a:t>
+              <a:t>12-Jun-18</a:t>
             </a:fld>
             <a:endParaRPr lang="en-US"/>
           </a:p>
@@ -425,7 +430,7 @@
           <a:p>
             <a:fld id="{1755A49F-4B3F-496D-A8EB-2B8353536007}" type="datetimeFigureOut">
               <a:rPr lang="en-US" smtClean="0"/>
-              <a:t>11-Jun-18</a:t>
+              <a:t>12-Jun-18</a:t>
             </a:fld>
             <a:endParaRPr lang="en-US"/>
           </a:p>
@@ -605,7 +610,7 @@
           <a:p>
             <a:fld id="{1755A49F-4B3F-496D-A8EB-2B8353536007}" type="datetimeFigureOut">
               <a:rPr lang="en-US" smtClean="0"/>
-              <a:t>11-Jun-18</a:t>
+              <a:t>12-Jun-18</a:t>
             </a:fld>
             <a:endParaRPr lang="en-US"/>
           </a:p>
@@ -775,7 +780,7 @@
           <a:p>
             <a:fld id="{1755A49F-4B3F-496D-A8EB-2B8353536007}" type="datetimeFigureOut">
               <a:rPr lang="en-US" smtClean="0"/>
-              <a:t>11-Jun-18</a:t>
+              <a:t>12-Jun-18</a:t>
             </a:fld>
             <a:endParaRPr lang="en-US"/>
           </a:p>
@@ -1019,7 +1024,7 @@
           <a:p>
             <a:fld id="{1755A49F-4B3F-496D-A8EB-2B8353536007}" type="datetimeFigureOut">
               <a:rPr lang="en-US" smtClean="0"/>
-              <a:t>11-Jun-18</a:t>
+              <a:t>12-Jun-18</a:t>
             </a:fld>
             <a:endParaRPr lang="en-US"/>
           </a:p>
@@ -1251,7 +1256,7 @@
           <a:p>
             <a:fld id="{1755A49F-4B3F-496D-A8EB-2B8353536007}" type="datetimeFigureOut">
               <a:rPr lang="en-US" smtClean="0"/>
-              <a:t>11-Jun-18</a:t>
+              <a:t>12-Jun-18</a:t>
             </a:fld>
             <a:endParaRPr lang="en-US"/>
           </a:p>
@@ -1618,7 +1623,7 @@
           <a:p>
             <a:fld id="{1755A49F-4B3F-496D-A8EB-2B8353536007}" type="datetimeFigureOut">
               <a:rPr lang="en-US" smtClean="0"/>
-              <a:t>11-Jun-18</a:t>
+              <a:t>12-Jun-18</a:t>
             </a:fld>
             <a:endParaRPr lang="en-US"/>
           </a:p>
@@ -1736,7 +1741,7 @@
           <a:p>
             <a:fld id="{1755A49F-4B3F-496D-A8EB-2B8353536007}" type="datetimeFigureOut">
               <a:rPr lang="en-US" smtClean="0"/>
-              <a:t>11-Jun-18</a:t>
+              <a:t>12-Jun-18</a:t>
             </a:fld>
             <a:endParaRPr lang="en-US"/>
           </a:p>
@@ -1831,7 +1836,7 @@
           <a:p>
             <a:fld id="{1755A49F-4B3F-496D-A8EB-2B8353536007}" type="datetimeFigureOut">
               <a:rPr lang="en-US" smtClean="0"/>
-              <a:t>11-Jun-18</a:t>
+              <a:t>12-Jun-18</a:t>
             </a:fld>
             <a:endParaRPr lang="en-US"/>
           </a:p>
@@ -2108,7 +2113,7 @@
           <a:p>
             <a:fld id="{1755A49F-4B3F-496D-A8EB-2B8353536007}" type="datetimeFigureOut">
               <a:rPr lang="en-US" smtClean="0"/>
-              <a:t>11-Jun-18</a:t>
+              <a:t>12-Jun-18</a:t>
             </a:fld>
             <a:endParaRPr lang="en-US"/>
           </a:p>
@@ -2365,7 +2370,7 @@
           <a:p>
             <a:fld id="{1755A49F-4B3F-496D-A8EB-2B8353536007}" type="datetimeFigureOut">
               <a:rPr lang="en-US" smtClean="0"/>
-              <a:t>11-Jun-18</a:t>
+              <a:t>12-Jun-18</a:t>
             </a:fld>
             <a:endParaRPr lang="en-US"/>
           </a:p>
@@ -2578,7 +2583,7 @@
           <a:p>
             <a:fld id="{1755A49F-4B3F-496D-A8EB-2B8353536007}" type="datetimeFigureOut">
               <a:rPr lang="en-US" smtClean="0"/>
-              <a:t>11-Jun-18</a:t>
+              <a:t>12-Jun-18</a:t>
             </a:fld>
             <a:endParaRPr lang="en-US"/>
           </a:p>
@@ -3280,6 +3285,222 @@
   <p:clrMapOvr>
     <a:masterClrMapping/>
   </p:clrMapOvr>
+  <p:timing>
+    <p:tnLst>
+      <p:par>
+        <p:cTn id="1" dur="indefinite" restart="never" nodeType="tmRoot">
+          <p:childTnLst>
+            <p:seq concurrent="1" nextAc="seek">
+              <p:cTn id="2" dur="indefinite" nodeType="mainSeq">
+                <p:childTnLst>
+                  <p:par>
+                    <p:cTn id="3" fill="hold">
+                      <p:stCondLst>
+                        <p:cond delay="indefinite"/>
+                      </p:stCondLst>
+                      <p:childTnLst>
+                        <p:par>
+                          <p:cTn id="4" fill="hold">
+                            <p:stCondLst>
+                              <p:cond delay="0"/>
+                            </p:stCondLst>
+                            <p:childTnLst>
+                              <p:par>
+                                <p:cTn id="5" presetID="10" presetClass="entr" presetSubtype="0" fill="hold" grpId="0" nodeType="clickEffect">
+                                  <p:stCondLst>
+                                    <p:cond delay="0"/>
+                                  </p:stCondLst>
+                                  <p:childTnLst>
+                                    <p:set>
+                                      <p:cBhvr>
+                                        <p:cTn id="6" dur="1" fill="hold">
+                                          <p:stCondLst>
+                                            <p:cond delay="0"/>
+                                          </p:stCondLst>
+                                        </p:cTn>
+                                        <p:tgtEl>
+                                          <p:spTgt spid="3">
+                                            <p:txEl>
+                                              <p:pRg st="0" end="0"/>
+                                            </p:txEl>
+                                          </p:spTgt>
+                                        </p:tgtEl>
+                                        <p:attrNameLst>
+                                          <p:attrName>style.visibility</p:attrName>
+                                        </p:attrNameLst>
+                                      </p:cBhvr>
+                                      <p:to>
+                                        <p:strVal val="visible"/>
+                                      </p:to>
+                                    </p:set>
+                                    <p:animEffect transition="in" filter="fade">
+                                      <p:cBhvr>
+                                        <p:cTn id="7" dur="500"/>
+                                        <p:tgtEl>
+                                          <p:spTgt spid="3">
+                                            <p:txEl>
+                                              <p:pRg st="0" end="0"/>
+                                            </p:txEl>
+                                          </p:spTgt>
+                                        </p:tgtEl>
+                                      </p:cBhvr>
+                                    </p:animEffect>
+                                  </p:childTnLst>
+                                </p:cTn>
+                              </p:par>
+                            </p:childTnLst>
+                          </p:cTn>
+                        </p:par>
+                      </p:childTnLst>
+                    </p:cTn>
+                  </p:par>
+                  <p:par>
+                    <p:cTn id="8" fill="hold">
+                      <p:stCondLst>
+                        <p:cond delay="indefinite"/>
+                      </p:stCondLst>
+                      <p:childTnLst>
+                        <p:par>
+                          <p:cTn id="9" fill="hold">
+                            <p:stCondLst>
+                              <p:cond delay="0"/>
+                            </p:stCondLst>
+                            <p:childTnLst>
+                              <p:par>
+                                <p:cTn id="10" presetID="10" presetClass="entr" presetSubtype="0" fill="hold" grpId="0" nodeType="clickEffect">
+                                  <p:stCondLst>
+                                    <p:cond delay="0"/>
+                                  </p:stCondLst>
+                                  <p:childTnLst>
+                                    <p:set>
+                                      <p:cBhvr>
+                                        <p:cTn id="11" dur="1" fill="hold">
+                                          <p:stCondLst>
+                                            <p:cond delay="0"/>
+                                          </p:stCondLst>
+                                        </p:cTn>
+                                        <p:tgtEl>
+                                          <p:spTgt spid="3">
+                                            <p:txEl>
+                                              <p:pRg st="1" end="1"/>
+                                            </p:txEl>
+                                          </p:spTgt>
+                                        </p:tgtEl>
+                                        <p:attrNameLst>
+                                          <p:attrName>style.visibility</p:attrName>
+                                        </p:attrNameLst>
+                                      </p:cBhvr>
+                                      <p:to>
+                                        <p:strVal val="visible"/>
+                                      </p:to>
+                                    </p:set>
+                                    <p:animEffect transition="in" filter="fade">
+                                      <p:cBhvr>
+                                        <p:cTn id="12" dur="500"/>
+                                        <p:tgtEl>
+                                          <p:spTgt spid="3">
+                                            <p:txEl>
+                                              <p:pRg st="1" end="1"/>
+                                            </p:txEl>
+                                          </p:spTgt>
+                                        </p:tgtEl>
+                                      </p:cBhvr>
+                                    </p:animEffect>
+                                  </p:childTnLst>
+                                </p:cTn>
+                              </p:par>
+                            </p:childTnLst>
+                          </p:cTn>
+                        </p:par>
+                      </p:childTnLst>
+                    </p:cTn>
+                  </p:par>
+                  <p:par>
+                    <p:cTn id="13" fill="hold">
+                      <p:stCondLst>
+                        <p:cond delay="indefinite"/>
+                      </p:stCondLst>
+                      <p:childTnLst>
+                        <p:par>
+                          <p:cTn id="14" fill="hold">
+                            <p:stCondLst>
+                              <p:cond delay="0"/>
+                            </p:stCondLst>
+                            <p:childTnLst>
+                              <p:par>
+                                <p:cTn id="15" presetID="10" presetClass="entr" presetSubtype="0" fill="hold" grpId="0" nodeType="clickEffect">
+                                  <p:stCondLst>
+                                    <p:cond delay="0"/>
+                                  </p:stCondLst>
+                                  <p:childTnLst>
+                                    <p:set>
+                                      <p:cBhvr>
+                                        <p:cTn id="16" dur="1" fill="hold">
+                                          <p:stCondLst>
+                                            <p:cond delay="0"/>
+                                          </p:stCondLst>
+                                        </p:cTn>
+                                        <p:tgtEl>
+                                          <p:spTgt spid="3">
+                                            <p:txEl>
+                                              <p:pRg st="2" end="2"/>
+                                            </p:txEl>
+                                          </p:spTgt>
+                                        </p:tgtEl>
+                                        <p:attrNameLst>
+                                          <p:attrName>style.visibility</p:attrName>
+                                        </p:attrNameLst>
+                                      </p:cBhvr>
+                                      <p:to>
+                                        <p:strVal val="visible"/>
+                                      </p:to>
+                                    </p:set>
+                                    <p:animEffect transition="in" filter="fade">
+                                      <p:cBhvr>
+                                        <p:cTn id="17" dur="500"/>
+                                        <p:tgtEl>
+                                          <p:spTgt spid="3">
+                                            <p:txEl>
+                                              <p:pRg st="2" end="2"/>
+                                            </p:txEl>
+                                          </p:spTgt>
+                                        </p:tgtEl>
+                                      </p:cBhvr>
+                                    </p:animEffect>
+                                  </p:childTnLst>
+                                </p:cTn>
+                              </p:par>
+                            </p:childTnLst>
+                          </p:cTn>
+                        </p:par>
+                      </p:childTnLst>
+                    </p:cTn>
+                  </p:par>
+                </p:childTnLst>
+              </p:cTn>
+              <p:prevCondLst>
+                <p:cond evt="onPrev" delay="0">
+                  <p:tgtEl>
+                    <p:sldTgt/>
+                  </p:tgtEl>
+                </p:cond>
+              </p:prevCondLst>
+              <p:nextCondLst>
+                <p:cond evt="onNext" delay="0">
+                  <p:tgtEl>
+                    <p:sldTgt/>
+                  </p:tgtEl>
+                </p:cond>
+              </p:nextCondLst>
+            </p:seq>
+          </p:childTnLst>
+        </p:cTn>
+      </p:par>
+    </p:tnLst>
+    <p:bldLst>
+      <p:bldP spid="3" grpId="0" build="p"/>
+    </p:bldLst>
+  </p:timing>
 </p:sld>
 </file>
 
@@ -4237,6 +4458,430 @@
   <p:clrMapOvr>
     <a:masterClrMapping/>
   </p:clrMapOvr>
+  <p:timing>
+    <p:tnLst>
+      <p:par>
+        <p:cTn id="1" dur="indefinite" restart="never" nodeType="tmRoot">
+          <p:childTnLst>
+            <p:seq concurrent="1" nextAc="seek">
+              <p:cTn id="2" dur="indefinite" nodeType="mainSeq">
+                <p:childTnLst>
+                  <p:par>
+                    <p:cTn id="3" fill="hold">
+                      <p:stCondLst>
+                        <p:cond delay="indefinite"/>
+                      </p:stCondLst>
+                      <p:childTnLst>
+                        <p:par>
+                          <p:cTn id="4" fill="hold">
+                            <p:stCondLst>
+                              <p:cond delay="0"/>
+                            </p:stCondLst>
+                            <p:childTnLst>
+                              <p:par>
+                                <p:cTn id="5" presetID="10" presetClass="entr" presetSubtype="0" fill="hold" grpId="0" nodeType="clickEffect">
+                                  <p:stCondLst>
+                                    <p:cond delay="0"/>
+                                  </p:stCondLst>
+                                  <p:childTnLst>
+                                    <p:set>
+                                      <p:cBhvr>
+                                        <p:cTn id="6" dur="1" fill="hold">
+                                          <p:stCondLst>
+                                            <p:cond delay="0"/>
+                                          </p:stCondLst>
+                                        </p:cTn>
+                                        <p:tgtEl>
+                                          <p:spTgt spid="3">
+                                            <p:txEl>
+                                              <p:pRg st="0" end="0"/>
+                                            </p:txEl>
+                                          </p:spTgt>
+                                        </p:tgtEl>
+                                        <p:attrNameLst>
+                                          <p:attrName>style.visibility</p:attrName>
+                                        </p:attrNameLst>
+                                      </p:cBhvr>
+                                      <p:to>
+                                        <p:strVal val="visible"/>
+                                      </p:to>
+                                    </p:set>
+                                    <p:animEffect transition="in" filter="fade">
+                                      <p:cBhvr>
+                                        <p:cTn id="7" dur="500"/>
+                                        <p:tgtEl>
+                                          <p:spTgt spid="3">
+                                            <p:txEl>
+                                              <p:pRg st="0" end="0"/>
+                                            </p:txEl>
+                                          </p:spTgt>
+                                        </p:tgtEl>
+                                      </p:cBhvr>
+                                    </p:animEffect>
+                                  </p:childTnLst>
+                                </p:cTn>
+                              </p:par>
+                            </p:childTnLst>
+                          </p:cTn>
+                        </p:par>
+                      </p:childTnLst>
+                    </p:cTn>
+                  </p:par>
+                  <p:par>
+                    <p:cTn id="8" fill="hold">
+                      <p:stCondLst>
+                        <p:cond delay="indefinite"/>
+                      </p:stCondLst>
+                      <p:childTnLst>
+                        <p:par>
+                          <p:cTn id="9" fill="hold">
+                            <p:stCondLst>
+                              <p:cond delay="0"/>
+                            </p:stCondLst>
+                            <p:childTnLst>
+                              <p:par>
+                                <p:cTn id="10" presetID="10" presetClass="entr" presetSubtype="0" fill="hold" grpId="0" nodeType="clickEffect">
+                                  <p:stCondLst>
+                                    <p:cond delay="0"/>
+                                  </p:stCondLst>
+                                  <p:childTnLst>
+                                    <p:set>
+                                      <p:cBhvr>
+                                        <p:cTn id="11" dur="1" fill="hold">
+                                          <p:stCondLst>
+                                            <p:cond delay="0"/>
+                                          </p:stCondLst>
+                                        </p:cTn>
+                                        <p:tgtEl>
+                                          <p:spTgt spid="3">
+                                            <p:txEl>
+                                              <p:pRg st="1" end="1"/>
+                                            </p:txEl>
+                                          </p:spTgt>
+                                        </p:tgtEl>
+                                        <p:attrNameLst>
+                                          <p:attrName>style.visibility</p:attrName>
+                                        </p:attrNameLst>
+                                      </p:cBhvr>
+                                      <p:to>
+                                        <p:strVal val="visible"/>
+                                      </p:to>
+                                    </p:set>
+                                    <p:animEffect transition="in" filter="fade">
+                                      <p:cBhvr>
+                                        <p:cTn id="12" dur="500"/>
+                                        <p:tgtEl>
+                                          <p:spTgt spid="3">
+                                            <p:txEl>
+                                              <p:pRg st="1" end="1"/>
+                                            </p:txEl>
+                                          </p:spTgt>
+                                        </p:tgtEl>
+                                      </p:cBhvr>
+                                    </p:animEffect>
+                                  </p:childTnLst>
+                                </p:cTn>
+                              </p:par>
+                              <p:par>
+                                <p:cTn id="13" presetID="10" presetClass="entr" presetSubtype="0" fill="hold" grpId="0" nodeType="withEffect">
+                                  <p:stCondLst>
+                                    <p:cond delay="0"/>
+                                  </p:stCondLst>
+                                  <p:childTnLst>
+                                    <p:set>
+                                      <p:cBhvr>
+                                        <p:cTn id="14" dur="1" fill="hold">
+                                          <p:stCondLst>
+                                            <p:cond delay="0"/>
+                                          </p:stCondLst>
+                                        </p:cTn>
+                                        <p:tgtEl>
+                                          <p:spTgt spid="3">
+                                            <p:txEl>
+                                              <p:pRg st="2" end="2"/>
+                                            </p:txEl>
+                                          </p:spTgt>
+                                        </p:tgtEl>
+                                        <p:attrNameLst>
+                                          <p:attrName>style.visibility</p:attrName>
+                                        </p:attrNameLst>
+                                      </p:cBhvr>
+                                      <p:to>
+                                        <p:strVal val="visible"/>
+                                      </p:to>
+                                    </p:set>
+                                    <p:animEffect transition="in" filter="fade">
+                                      <p:cBhvr>
+                                        <p:cTn id="15" dur="500"/>
+                                        <p:tgtEl>
+                                          <p:spTgt spid="3">
+                                            <p:txEl>
+                                              <p:pRg st="2" end="2"/>
+                                            </p:txEl>
+                                          </p:spTgt>
+                                        </p:tgtEl>
+                                      </p:cBhvr>
+                                    </p:animEffect>
+                                  </p:childTnLst>
+                                </p:cTn>
+                              </p:par>
+                              <p:par>
+                                <p:cTn id="16" presetID="10" presetClass="entr" presetSubtype="0" fill="hold" grpId="0" nodeType="withEffect">
+                                  <p:stCondLst>
+                                    <p:cond delay="0"/>
+                                  </p:stCondLst>
+                                  <p:childTnLst>
+                                    <p:set>
+                                      <p:cBhvr>
+                                        <p:cTn id="17" dur="1" fill="hold">
+                                          <p:stCondLst>
+                                            <p:cond delay="0"/>
+                                          </p:stCondLst>
+                                        </p:cTn>
+                                        <p:tgtEl>
+                                          <p:spTgt spid="3">
+                                            <p:txEl>
+                                              <p:pRg st="3" end="3"/>
+                                            </p:txEl>
+                                          </p:spTgt>
+                                        </p:tgtEl>
+                                        <p:attrNameLst>
+                                          <p:attrName>style.visibility</p:attrName>
+                                        </p:attrNameLst>
+                                      </p:cBhvr>
+                                      <p:to>
+                                        <p:strVal val="visible"/>
+                                      </p:to>
+                                    </p:set>
+                                    <p:animEffect transition="in" filter="fade">
+                                      <p:cBhvr>
+                                        <p:cTn id="18" dur="500"/>
+                                        <p:tgtEl>
+                                          <p:spTgt spid="3">
+                                            <p:txEl>
+                                              <p:pRg st="3" end="3"/>
+                                            </p:txEl>
+                                          </p:spTgt>
+                                        </p:tgtEl>
+                                      </p:cBhvr>
+                                    </p:animEffect>
+                                  </p:childTnLst>
+                                </p:cTn>
+                              </p:par>
+                              <p:par>
+                                <p:cTn id="19" presetID="10" presetClass="entr" presetSubtype="0" fill="hold" grpId="0" nodeType="withEffect">
+                                  <p:stCondLst>
+                                    <p:cond delay="0"/>
+                                  </p:stCondLst>
+                                  <p:childTnLst>
+                                    <p:set>
+                                      <p:cBhvr>
+                                        <p:cTn id="20" dur="1" fill="hold">
+                                          <p:stCondLst>
+                                            <p:cond delay="0"/>
+                                          </p:stCondLst>
+                                        </p:cTn>
+                                        <p:tgtEl>
+                                          <p:spTgt spid="3">
+                                            <p:txEl>
+                                              <p:pRg st="4" end="4"/>
+                                            </p:txEl>
+                                          </p:spTgt>
+                                        </p:tgtEl>
+                                        <p:attrNameLst>
+                                          <p:attrName>style.visibility</p:attrName>
+                                        </p:attrNameLst>
+                                      </p:cBhvr>
+                                      <p:to>
+                                        <p:strVal val="visible"/>
+                                      </p:to>
+                                    </p:set>
+                                    <p:animEffect transition="in" filter="fade">
+                                      <p:cBhvr>
+                                        <p:cTn id="21" dur="500"/>
+                                        <p:tgtEl>
+                                          <p:spTgt spid="3">
+                                            <p:txEl>
+                                              <p:pRg st="4" end="4"/>
+                                            </p:txEl>
+                                          </p:spTgt>
+                                        </p:tgtEl>
+                                      </p:cBhvr>
+                                    </p:animEffect>
+                                  </p:childTnLst>
+                                </p:cTn>
+                              </p:par>
+                              <p:par>
+                                <p:cTn id="22" presetID="10" presetClass="entr" presetSubtype="0" fill="hold" grpId="0" nodeType="withEffect">
+                                  <p:stCondLst>
+                                    <p:cond delay="0"/>
+                                  </p:stCondLst>
+                                  <p:childTnLst>
+                                    <p:set>
+                                      <p:cBhvr>
+                                        <p:cTn id="23" dur="1" fill="hold">
+                                          <p:stCondLst>
+                                            <p:cond delay="0"/>
+                                          </p:stCondLst>
+                                        </p:cTn>
+                                        <p:tgtEl>
+                                          <p:spTgt spid="3">
+                                            <p:txEl>
+                                              <p:pRg st="5" end="5"/>
+                                            </p:txEl>
+                                          </p:spTgt>
+                                        </p:tgtEl>
+                                        <p:attrNameLst>
+                                          <p:attrName>style.visibility</p:attrName>
+                                        </p:attrNameLst>
+                                      </p:cBhvr>
+                                      <p:to>
+                                        <p:strVal val="visible"/>
+                                      </p:to>
+                                    </p:set>
+                                    <p:animEffect transition="in" filter="fade">
+                                      <p:cBhvr>
+                                        <p:cTn id="24" dur="500"/>
+                                        <p:tgtEl>
+                                          <p:spTgt spid="3">
+                                            <p:txEl>
+                                              <p:pRg st="5" end="5"/>
+                                            </p:txEl>
+                                          </p:spTgt>
+                                        </p:tgtEl>
+                                      </p:cBhvr>
+                                    </p:animEffect>
+                                  </p:childTnLst>
+                                </p:cTn>
+                              </p:par>
+                              <p:par>
+                                <p:cTn id="25" presetID="10" presetClass="entr" presetSubtype="0" fill="hold" grpId="0" nodeType="withEffect">
+                                  <p:stCondLst>
+                                    <p:cond delay="0"/>
+                                  </p:stCondLst>
+                                  <p:childTnLst>
+                                    <p:set>
+                                      <p:cBhvr>
+                                        <p:cTn id="26" dur="1" fill="hold">
+                                          <p:stCondLst>
+                                            <p:cond delay="0"/>
+                                          </p:stCondLst>
+                                        </p:cTn>
+                                        <p:tgtEl>
+                                          <p:spTgt spid="3">
+                                            <p:txEl>
+                                              <p:pRg st="6" end="6"/>
+                                            </p:txEl>
+                                          </p:spTgt>
+                                        </p:tgtEl>
+                                        <p:attrNameLst>
+                                          <p:attrName>style.visibility</p:attrName>
+                                        </p:attrNameLst>
+                                      </p:cBhvr>
+                                      <p:to>
+                                        <p:strVal val="visible"/>
+                                      </p:to>
+                                    </p:set>
+                                    <p:animEffect transition="in" filter="fade">
+                                      <p:cBhvr>
+                                        <p:cTn id="27" dur="500"/>
+                                        <p:tgtEl>
+                                          <p:spTgt spid="3">
+                                            <p:txEl>
+                                              <p:pRg st="6" end="6"/>
+                                            </p:txEl>
+                                          </p:spTgt>
+                                        </p:tgtEl>
+                                      </p:cBhvr>
+                                    </p:animEffect>
+                                  </p:childTnLst>
+                                </p:cTn>
+                              </p:par>
+                            </p:childTnLst>
+                          </p:cTn>
+                        </p:par>
+                      </p:childTnLst>
+                    </p:cTn>
+                  </p:par>
+                  <p:par>
+                    <p:cTn id="28" fill="hold">
+                      <p:stCondLst>
+                        <p:cond delay="indefinite"/>
+                      </p:stCondLst>
+                      <p:childTnLst>
+                        <p:par>
+                          <p:cTn id="29" fill="hold">
+                            <p:stCondLst>
+                              <p:cond delay="0"/>
+                            </p:stCondLst>
+                            <p:childTnLst>
+                              <p:par>
+                                <p:cTn id="30" presetID="10" presetClass="entr" presetSubtype="0" fill="hold" grpId="0" nodeType="clickEffect">
+                                  <p:stCondLst>
+                                    <p:cond delay="0"/>
+                                  </p:stCondLst>
+                                  <p:childTnLst>
+                                    <p:set>
+                                      <p:cBhvr>
+                                        <p:cTn id="31" dur="1" fill="hold">
+                                          <p:stCondLst>
+                                            <p:cond delay="0"/>
+                                          </p:stCondLst>
+                                        </p:cTn>
+                                        <p:tgtEl>
+                                          <p:spTgt spid="4"/>
+                                        </p:tgtEl>
+                                        <p:attrNameLst>
+                                          <p:attrName>style.visibility</p:attrName>
+                                        </p:attrNameLst>
+                                      </p:cBhvr>
+                                      <p:to>
+                                        <p:strVal val="visible"/>
+                                      </p:to>
+                                    </p:set>
+                                    <p:animEffect transition="in" filter="fade">
+                                      <p:cBhvr>
+                                        <p:cTn id="32" dur="500"/>
+                                        <p:tgtEl>
+                                          <p:spTgt spid="4"/>
+                                        </p:tgtEl>
+                                      </p:cBhvr>
+                                    </p:animEffect>
+                                  </p:childTnLst>
+                                </p:cTn>
+                              </p:par>
+                            </p:childTnLst>
+                          </p:cTn>
+                        </p:par>
+                      </p:childTnLst>
+                    </p:cTn>
+                  </p:par>
+                </p:childTnLst>
+              </p:cTn>
+              <p:prevCondLst>
+                <p:cond evt="onPrev" delay="0">
+                  <p:tgtEl>
+                    <p:sldTgt/>
+                  </p:tgtEl>
+                </p:cond>
+              </p:prevCondLst>
+              <p:nextCondLst>
+                <p:cond evt="onNext" delay="0">
+                  <p:tgtEl>
+                    <p:sldTgt/>
+                  </p:tgtEl>
+                </p:cond>
+              </p:nextCondLst>
+            </p:seq>
+          </p:childTnLst>
+        </p:cTn>
+      </p:par>
+    </p:tnLst>
+    <p:bldLst>
+      <p:bldP spid="3" grpId="0" uiExpand="1" build="p"/>
+      <p:bldP spid="4" grpId="0"/>
+    </p:bldLst>
+  </p:timing>
 </p:sld>
 </file>
 
@@ -4552,6 +5197,709 @@
   <p:clrMapOvr>
     <a:masterClrMapping/>
   </p:clrMapOvr>
+  <p:timing>
+    <p:tnLst>
+      <p:par>
+        <p:cTn id="1" dur="indefinite" restart="never" nodeType="tmRoot">
+          <p:childTnLst>
+            <p:seq concurrent="1" nextAc="seek">
+              <p:cTn id="2" dur="indefinite" nodeType="mainSeq">
+                <p:childTnLst>
+                  <p:par>
+                    <p:cTn id="3" fill="hold">
+                      <p:stCondLst>
+                        <p:cond delay="indefinite"/>
+                      </p:stCondLst>
+                      <p:childTnLst>
+                        <p:par>
+                          <p:cTn id="4" fill="hold">
+                            <p:stCondLst>
+                              <p:cond delay="0"/>
+                            </p:stCondLst>
+                            <p:childTnLst>
+                              <p:par>
+                                <p:cTn id="5" presetID="10" presetClass="entr" presetSubtype="0" fill="hold" grpId="0" nodeType="clickEffect">
+                                  <p:stCondLst>
+                                    <p:cond delay="0"/>
+                                  </p:stCondLst>
+                                  <p:childTnLst>
+                                    <p:set>
+                                      <p:cBhvr>
+                                        <p:cTn id="6" dur="1" fill="hold">
+                                          <p:stCondLst>
+                                            <p:cond delay="0"/>
+                                          </p:stCondLst>
+                                        </p:cTn>
+                                        <p:tgtEl>
+                                          <p:spTgt spid="3">
+                                            <p:txEl>
+                                              <p:pRg st="0" end="0"/>
+                                            </p:txEl>
+                                          </p:spTgt>
+                                        </p:tgtEl>
+                                        <p:attrNameLst>
+                                          <p:attrName>style.visibility</p:attrName>
+                                        </p:attrNameLst>
+                                      </p:cBhvr>
+                                      <p:to>
+                                        <p:strVal val="visible"/>
+                                      </p:to>
+                                    </p:set>
+                                    <p:animEffect transition="in" filter="fade">
+                                      <p:cBhvr>
+                                        <p:cTn id="7" dur="500"/>
+                                        <p:tgtEl>
+                                          <p:spTgt spid="3">
+                                            <p:txEl>
+                                              <p:pRg st="0" end="0"/>
+                                            </p:txEl>
+                                          </p:spTgt>
+                                        </p:tgtEl>
+                                      </p:cBhvr>
+                                    </p:animEffect>
+                                  </p:childTnLst>
+                                </p:cTn>
+                              </p:par>
+                            </p:childTnLst>
+                          </p:cTn>
+                        </p:par>
+                      </p:childTnLst>
+                    </p:cTn>
+                  </p:par>
+                  <p:par>
+                    <p:cTn id="8" fill="hold">
+                      <p:stCondLst>
+                        <p:cond delay="indefinite"/>
+                      </p:stCondLst>
+                      <p:childTnLst>
+                        <p:par>
+                          <p:cTn id="9" fill="hold">
+                            <p:stCondLst>
+                              <p:cond delay="0"/>
+                            </p:stCondLst>
+                            <p:childTnLst>
+                              <p:par>
+                                <p:cTn id="10" presetID="10" presetClass="entr" presetSubtype="0" fill="hold" grpId="0" nodeType="clickEffect">
+                                  <p:stCondLst>
+                                    <p:cond delay="0"/>
+                                  </p:stCondLst>
+                                  <p:childTnLst>
+                                    <p:set>
+                                      <p:cBhvr>
+                                        <p:cTn id="11" dur="1" fill="hold">
+                                          <p:stCondLst>
+                                            <p:cond delay="0"/>
+                                          </p:stCondLst>
+                                        </p:cTn>
+                                        <p:tgtEl>
+                                          <p:spTgt spid="3">
+                                            <p:txEl>
+                                              <p:pRg st="2" end="2"/>
+                                            </p:txEl>
+                                          </p:spTgt>
+                                        </p:tgtEl>
+                                        <p:attrNameLst>
+                                          <p:attrName>style.visibility</p:attrName>
+                                        </p:attrNameLst>
+                                      </p:cBhvr>
+                                      <p:to>
+                                        <p:strVal val="visible"/>
+                                      </p:to>
+                                    </p:set>
+                                    <p:animEffect transition="in" filter="fade">
+                                      <p:cBhvr>
+                                        <p:cTn id="12" dur="500"/>
+                                        <p:tgtEl>
+                                          <p:spTgt spid="3">
+                                            <p:txEl>
+                                              <p:pRg st="2" end="2"/>
+                                            </p:txEl>
+                                          </p:spTgt>
+                                        </p:tgtEl>
+                                      </p:cBhvr>
+                                    </p:animEffect>
+                                  </p:childTnLst>
+                                </p:cTn>
+                              </p:par>
+                              <p:par>
+                                <p:cTn id="13" presetID="10" presetClass="entr" presetSubtype="0" fill="hold" grpId="0" nodeType="withEffect">
+                                  <p:stCondLst>
+                                    <p:cond delay="0"/>
+                                  </p:stCondLst>
+                                  <p:childTnLst>
+                                    <p:set>
+                                      <p:cBhvr>
+                                        <p:cTn id="14" dur="1" fill="hold">
+                                          <p:stCondLst>
+                                            <p:cond delay="0"/>
+                                          </p:stCondLst>
+                                        </p:cTn>
+                                        <p:tgtEl>
+                                          <p:spTgt spid="3">
+                                            <p:txEl>
+                                              <p:pRg st="3" end="3"/>
+                                            </p:txEl>
+                                          </p:spTgt>
+                                        </p:tgtEl>
+                                        <p:attrNameLst>
+                                          <p:attrName>style.visibility</p:attrName>
+                                        </p:attrNameLst>
+                                      </p:cBhvr>
+                                      <p:to>
+                                        <p:strVal val="visible"/>
+                                      </p:to>
+                                    </p:set>
+                                    <p:animEffect transition="in" filter="fade">
+                                      <p:cBhvr>
+                                        <p:cTn id="15" dur="500"/>
+                                        <p:tgtEl>
+                                          <p:spTgt spid="3">
+                                            <p:txEl>
+                                              <p:pRg st="3" end="3"/>
+                                            </p:txEl>
+                                          </p:spTgt>
+                                        </p:tgtEl>
+                                      </p:cBhvr>
+                                    </p:animEffect>
+                                  </p:childTnLst>
+                                </p:cTn>
+                              </p:par>
+                              <p:par>
+                                <p:cTn id="16" presetID="10" presetClass="entr" presetSubtype="0" fill="hold" grpId="0" nodeType="withEffect">
+                                  <p:stCondLst>
+                                    <p:cond delay="0"/>
+                                  </p:stCondLst>
+                                  <p:childTnLst>
+                                    <p:set>
+                                      <p:cBhvr>
+                                        <p:cTn id="17" dur="1" fill="hold">
+                                          <p:stCondLst>
+                                            <p:cond delay="0"/>
+                                          </p:stCondLst>
+                                        </p:cTn>
+                                        <p:tgtEl>
+                                          <p:spTgt spid="3">
+                                            <p:txEl>
+                                              <p:pRg st="4" end="4"/>
+                                            </p:txEl>
+                                          </p:spTgt>
+                                        </p:tgtEl>
+                                        <p:attrNameLst>
+                                          <p:attrName>style.visibility</p:attrName>
+                                        </p:attrNameLst>
+                                      </p:cBhvr>
+                                      <p:to>
+                                        <p:strVal val="visible"/>
+                                      </p:to>
+                                    </p:set>
+                                    <p:animEffect transition="in" filter="fade">
+                                      <p:cBhvr>
+                                        <p:cTn id="18" dur="500"/>
+                                        <p:tgtEl>
+                                          <p:spTgt spid="3">
+                                            <p:txEl>
+                                              <p:pRg st="4" end="4"/>
+                                            </p:txEl>
+                                          </p:spTgt>
+                                        </p:tgtEl>
+                                      </p:cBhvr>
+                                    </p:animEffect>
+                                  </p:childTnLst>
+                                </p:cTn>
+                              </p:par>
+                              <p:par>
+                                <p:cTn id="19" presetID="10" presetClass="entr" presetSubtype="0" fill="hold" nodeType="withEffect">
+                                  <p:stCondLst>
+                                    <p:cond delay="0"/>
+                                  </p:stCondLst>
+                                  <p:childTnLst>
+                                    <p:set>
+                                      <p:cBhvr>
+                                        <p:cTn id="20" dur="1" fill="hold">
+                                          <p:stCondLst>
+                                            <p:cond delay="0"/>
+                                          </p:stCondLst>
+                                        </p:cTn>
+                                        <p:tgtEl>
+                                          <p:spTgt spid="6"/>
+                                        </p:tgtEl>
+                                        <p:attrNameLst>
+                                          <p:attrName>style.visibility</p:attrName>
+                                        </p:attrNameLst>
+                                      </p:cBhvr>
+                                      <p:to>
+                                        <p:strVal val="visible"/>
+                                      </p:to>
+                                    </p:set>
+                                    <p:animEffect transition="in" filter="fade">
+                                      <p:cBhvr>
+                                        <p:cTn id="21" dur="500"/>
+                                        <p:tgtEl>
+                                          <p:spTgt spid="6"/>
+                                        </p:tgtEl>
+                                      </p:cBhvr>
+                                    </p:animEffect>
+                                  </p:childTnLst>
+                                </p:cTn>
+                              </p:par>
+                              <p:par>
+                                <p:cTn id="22" presetID="10" presetClass="entr" presetSubtype="0" fill="hold" grpId="0" nodeType="withEffect">
+                                  <p:stCondLst>
+                                    <p:cond delay="0"/>
+                                  </p:stCondLst>
+                                  <p:childTnLst>
+                                    <p:set>
+                                      <p:cBhvr>
+                                        <p:cTn id="23" dur="1" fill="hold">
+                                          <p:stCondLst>
+                                            <p:cond delay="0"/>
+                                          </p:stCondLst>
+                                        </p:cTn>
+                                        <p:tgtEl>
+                                          <p:spTgt spid="9"/>
+                                        </p:tgtEl>
+                                        <p:attrNameLst>
+                                          <p:attrName>style.visibility</p:attrName>
+                                        </p:attrNameLst>
+                                      </p:cBhvr>
+                                      <p:to>
+                                        <p:strVal val="visible"/>
+                                      </p:to>
+                                    </p:set>
+                                    <p:animEffect transition="in" filter="fade">
+                                      <p:cBhvr>
+                                        <p:cTn id="24" dur="500"/>
+                                        <p:tgtEl>
+                                          <p:spTgt spid="9"/>
+                                        </p:tgtEl>
+                                      </p:cBhvr>
+                                    </p:animEffect>
+                                  </p:childTnLst>
+                                </p:cTn>
+                              </p:par>
+                              <p:par>
+                                <p:cTn id="25" presetID="10" presetClass="entr" presetSubtype="0" fill="hold" grpId="0" nodeType="withEffect">
+                                  <p:stCondLst>
+                                    <p:cond delay="0"/>
+                                  </p:stCondLst>
+                                  <p:childTnLst>
+                                    <p:set>
+                                      <p:cBhvr>
+                                        <p:cTn id="26" dur="1" fill="hold">
+                                          <p:stCondLst>
+                                            <p:cond delay="0"/>
+                                          </p:stCondLst>
+                                        </p:cTn>
+                                        <p:tgtEl>
+                                          <p:spTgt spid="3">
+                                            <p:txEl>
+                                              <p:pRg st="5" end="5"/>
+                                            </p:txEl>
+                                          </p:spTgt>
+                                        </p:tgtEl>
+                                        <p:attrNameLst>
+                                          <p:attrName>style.visibility</p:attrName>
+                                        </p:attrNameLst>
+                                      </p:cBhvr>
+                                      <p:to>
+                                        <p:strVal val="visible"/>
+                                      </p:to>
+                                    </p:set>
+                                    <p:animEffect transition="in" filter="fade">
+                                      <p:cBhvr>
+                                        <p:cTn id="27" dur="500"/>
+                                        <p:tgtEl>
+                                          <p:spTgt spid="3">
+                                            <p:txEl>
+                                              <p:pRg st="5" end="5"/>
+                                            </p:txEl>
+                                          </p:spTgt>
+                                        </p:tgtEl>
+                                      </p:cBhvr>
+                                    </p:animEffect>
+                                  </p:childTnLst>
+                                </p:cTn>
+                              </p:par>
+                            </p:childTnLst>
+                          </p:cTn>
+                        </p:par>
+                      </p:childTnLst>
+                    </p:cTn>
+                  </p:par>
+                  <p:par>
+                    <p:cTn id="28" fill="hold">
+                      <p:stCondLst>
+                        <p:cond delay="indefinite"/>
+                      </p:stCondLst>
+                      <p:childTnLst>
+                        <p:par>
+                          <p:cTn id="29" fill="hold">
+                            <p:stCondLst>
+                              <p:cond delay="0"/>
+                            </p:stCondLst>
+                            <p:childTnLst>
+                              <p:par>
+                                <p:cTn id="30" presetID="10" presetClass="entr" presetSubtype="0" fill="hold" grpId="0" nodeType="clickEffect">
+                                  <p:stCondLst>
+                                    <p:cond delay="0"/>
+                                  </p:stCondLst>
+                                  <p:childTnLst>
+                                    <p:set>
+                                      <p:cBhvr>
+                                        <p:cTn id="31" dur="1" fill="hold">
+                                          <p:stCondLst>
+                                            <p:cond delay="0"/>
+                                          </p:stCondLst>
+                                        </p:cTn>
+                                        <p:tgtEl>
+                                          <p:spTgt spid="3">
+                                            <p:txEl>
+                                              <p:pRg st="7" end="7"/>
+                                            </p:txEl>
+                                          </p:spTgt>
+                                        </p:tgtEl>
+                                        <p:attrNameLst>
+                                          <p:attrName>style.visibility</p:attrName>
+                                        </p:attrNameLst>
+                                      </p:cBhvr>
+                                      <p:to>
+                                        <p:strVal val="visible"/>
+                                      </p:to>
+                                    </p:set>
+                                    <p:animEffect transition="in" filter="fade">
+                                      <p:cBhvr>
+                                        <p:cTn id="32" dur="500"/>
+                                        <p:tgtEl>
+                                          <p:spTgt spid="3">
+                                            <p:txEl>
+                                              <p:pRg st="7" end="7"/>
+                                            </p:txEl>
+                                          </p:spTgt>
+                                        </p:tgtEl>
+                                      </p:cBhvr>
+                                    </p:animEffect>
+                                  </p:childTnLst>
+                                </p:cTn>
+                              </p:par>
+                              <p:par>
+                                <p:cTn id="33" presetID="10" presetClass="entr" presetSubtype="0" fill="hold" grpId="0" nodeType="withEffect">
+                                  <p:stCondLst>
+                                    <p:cond delay="0"/>
+                                  </p:stCondLst>
+                                  <p:childTnLst>
+                                    <p:set>
+                                      <p:cBhvr>
+                                        <p:cTn id="34" dur="1" fill="hold">
+                                          <p:stCondLst>
+                                            <p:cond delay="0"/>
+                                          </p:stCondLst>
+                                        </p:cTn>
+                                        <p:tgtEl>
+                                          <p:spTgt spid="3">
+                                            <p:txEl>
+                                              <p:pRg st="8" end="8"/>
+                                            </p:txEl>
+                                          </p:spTgt>
+                                        </p:tgtEl>
+                                        <p:attrNameLst>
+                                          <p:attrName>style.visibility</p:attrName>
+                                        </p:attrNameLst>
+                                      </p:cBhvr>
+                                      <p:to>
+                                        <p:strVal val="visible"/>
+                                      </p:to>
+                                    </p:set>
+                                    <p:animEffect transition="in" filter="fade">
+                                      <p:cBhvr>
+                                        <p:cTn id="35" dur="500"/>
+                                        <p:tgtEl>
+                                          <p:spTgt spid="3">
+                                            <p:txEl>
+                                              <p:pRg st="8" end="8"/>
+                                            </p:txEl>
+                                          </p:spTgt>
+                                        </p:tgtEl>
+                                      </p:cBhvr>
+                                    </p:animEffect>
+                                  </p:childTnLst>
+                                </p:cTn>
+                              </p:par>
+                              <p:par>
+                                <p:cTn id="36" presetID="10" presetClass="entr" presetSubtype="0" fill="hold" grpId="0" nodeType="withEffect">
+                                  <p:stCondLst>
+                                    <p:cond delay="0"/>
+                                  </p:stCondLst>
+                                  <p:childTnLst>
+                                    <p:set>
+                                      <p:cBhvr>
+                                        <p:cTn id="37" dur="1" fill="hold">
+                                          <p:stCondLst>
+                                            <p:cond delay="0"/>
+                                          </p:stCondLst>
+                                        </p:cTn>
+                                        <p:tgtEl>
+                                          <p:spTgt spid="10"/>
+                                        </p:tgtEl>
+                                        <p:attrNameLst>
+                                          <p:attrName>style.visibility</p:attrName>
+                                        </p:attrNameLst>
+                                      </p:cBhvr>
+                                      <p:to>
+                                        <p:strVal val="visible"/>
+                                      </p:to>
+                                    </p:set>
+                                    <p:animEffect transition="in" filter="fade">
+                                      <p:cBhvr>
+                                        <p:cTn id="38" dur="500"/>
+                                        <p:tgtEl>
+                                          <p:spTgt spid="10"/>
+                                        </p:tgtEl>
+                                      </p:cBhvr>
+                                    </p:animEffect>
+                                  </p:childTnLst>
+                                </p:cTn>
+                              </p:par>
+                              <p:par>
+                                <p:cTn id="39" presetID="10" presetClass="entr" presetSubtype="0" fill="hold" grpId="0" nodeType="withEffect">
+                                  <p:stCondLst>
+                                    <p:cond delay="0"/>
+                                  </p:stCondLst>
+                                  <p:childTnLst>
+                                    <p:set>
+                                      <p:cBhvr>
+                                        <p:cTn id="40" dur="1" fill="hold">
+                                          <p:stCondLst>
+                                            <p:cond delay="0"/>
+                                          </p:stCondLst>
+                                        </p:cTn>
+                                        <p:tgtEl>
+                                          <p:spTgt spid="3">
+                                            <p:txEl>
+                                              <p:pRg st="9" end="9"/>
+                                            </p:txEl>
+                                          </p:spTgt>
+                                        </p:tgtEl>
+                                        <p:attrNameLst>
+                                          <p:attrName>style.visibility</p:attrName>
+                                        </p:attrNameLst>
+                                      </p:cBhvr>
+                                      <p:to>
+                                        <p:strVal val="visible"/>
+                                      </p:to>
+                                    </p:set>
+                                    <p:animEffect transition="in" filter="fade">
+                                      <p:cBhvr>
+                                        <p:cTn id="41" dur="500"/>
+                                        <p:tgtEl>
+                                          <p:spTgt spid="3">
+                                            <p:txEl>
+                                              <p:pRg st="9" end="9"/>
+                                            </p:txEl>
+                                          </p:spTgt>
+                                        </p:tgtEl>
+                                      </p:cBhvr>
+                                    </p:animEffect>
+                                  </p:childTnLst>
+                                </p:cTn>
+                              </p:par>
+                              <p:par>
+                                <p:cTn id="42" presetID="10" presetClass="entr" presetSubtype="0" fill="hold" grpId="0" nodeType="withEffect">
+                                  <p:stCondLst>
+                                    <p:cond delay="0"/>
+                                  </p:stCondLst>
+                                  <p:childTnLst>
+                                    <p:set>
+                                      <p:cBhvr>
+                                        <p:cTn id="43" dur="1" fill="hold">
+                                          <p:stCondLst>
+                                            <p:cond delay="0"/>
+                                          </p:stCondLst>
+                                        </p:cTn>
+                                        <p:tgtEl>
+                                          <p:spTgt spid="3">
+                                            <p:txEl>
+                                              <p:pRg st="10" end="10"/>
+                                            </p:txEl>
+                                          </p:spTgt>
+                                        </p:tgtEl>
+                                        <p:attrNameLst>
+                                          <p:attrName>style.visibility</p:attrName>
+                                        </p:attrNameLst>
+                                      </p:cBhvr>
+                                      <p:to>
+                                        <p:strVal val="visible"/>
+                                      </p:to>
+                                    </p:set>
+                                    <p:animEffect transition="in" filter="fade">
+                                      <p:cBhvr>
+                                        <p:cTn id="44" dur="500"/>
+                                        <p:tgtEl>
+                                          <p:spTgt spid="3">
+                                            <p:txEl>
+                                              <p:pRg st="10" end="10"/>
+                                            </p:txEl>
+                                          </p:spTgt>
+                                        </p:tgtEl>
+                                      </p:cBhvr>
+                                    </p:animEffect>
+                                  </p:childTnLst>
+                                </p:cTn>
+                              </p:par>
+                            </p:childTnLst>
+                          </p:cTn>
+                        </p:par>
+                      </p:childTnLst>
+                    </p:cTn>
+                  </p:par>
+                  <p:par>
+                    <p:cTn id="45" fill="hold">
+                      <p:stCondLst>
+                        <p:cond delay="indefinite"/>
+                      </p:stCondLst>
+                      <p:childTnLst>
+                        <p:par>
+                          <p:cTn id="46" fill="hold">
+                            <p:stCondLst>
+                              <p:cond delay="0"/>
+                            </p:stCondLst>
+                            <p:childTnLst>
+                              <p:par>
+                                <p:cTn id="47" presetID="10" presetClass="entr" presetSubtype="0" fill="hold" grpId="0" nodeType="clickEffect">
+                                  <p:stCondLst>
+                                    <p:cond delay="0"/>
+                                  </p:stCondLst>
+                                  <p:childTnLst>
+                                    <p:set>
+                                      <p:cBhvr>
+                                        <p:cTn id="48" dur="1" fill="hold">
+                                          <p:stCondLst>
+                                            <p:cond delay="0"/>
+                                          </p:stCondLst>
+                                        </p:cTn>
+                                        <p:tgtEl>
+                                          <p:spTgt spid="3">
+                                            <p:txEl>
+                                              <p:pRg st="12" end="12"/>
+                                            </p:txEl>
+                                          </p:spTgt>
+                                        </p:tgtEl>
+                                        <p:attrNameLst>
+                                          <p:attrName>style.visibility</p:attrName>
+                                        </p:attrNameLst>
+                                      </p:cBhvr>
+                                      <p:to>
+                                        <p:strVal val="visible"/>
+                                      </p:to>
+                                    </p:set>
+                                    <p:animEffect transition="in" filter="fade">
+                                      <p:cBhvr>
+                                        <p:cTn id="49" dur="500"/>
+                                        <p:tgtEl>
+                                          <p:spTgt spid="3">
+                                            <p:txEl>
+                                              <p:pRg st="12" end="12"/>
+                                            </p:txEl>
+                                          </p:spTgt>
+                                        </p:tgtEl>
+                                      </p:cBhvr>
+                                    </p:animEffect>
+                                  </p:childTnLst>
+                                </p:cTn>
+                              </p:par>
+                            </p:childTnLst>
+                          </p:cTn>
+                        </p:par>
+                      </p:childTnLst>
+                    </p:cTn>
+                  </p:par>
+                  <p:par>
+                    <p:cTn id="50" fill="hold">
+                      <p:stCondLst>
+                        <p:cond delay="indefinite"/>
+                      </p:stCondLst>
+                      <p:childTnLst>
+                        <p:par>
+                          <p:cTn id="51" fill="hold">
+                            <p:stCondLst>
+                              <p:cond delay="0"/>
+                            </p:stCondLst>
+                            <p:childTnLst>
+                              <p:par>
+                                <p:cTn id="52" presetID="10" presetClass="entr" presetSubtype="0" fill="hold" grpId="0" nodeType="clickEffect">
+                                  <p:stCondLst>
+                                    <p:cond delay="0"/>
+                                  </p:stCondLst>
+                                  <p:childTnLst>
+                                    <p:set>
+                                      <p:cBhvr>
+                                        <p:cTn id="53" dur="1" fill="hold">
+                                          <p:stCondLst>
+                                            <p:cond delay="0"/>
+                                          </p:stCondLst>
+                                        </p:cTn>
+                                        <p:tgtEl>
+                                          <p:spTgt spid="3">
+                                            <p:txEl>
+                                              <p:pRg st="13" end="13"/>
+                                            </p:txEl>
+                                          </p:spTgt>
+                                        </p:tgtEl>
+                                        <p:attrNameLst>
+                                          <p:attrName>style.visibility</p:attrName>
+                                        </p:attrNameLst>
+                                      </p:cBhvr>
+                                      <p:to>
+                                        <p:strVal val="visible"/>
+                                      </p:to>
+                                    </p:set>
+                                    <p:animEffect transition="in" filter="fade">
+                                      <p:cBhvr>
+                                        <p:cTn id="54" dur="500"/>
+                                        <p:tgtEl>
+                                          <p:spTgt spid="3">
+                                            <p:txEl>
+                                              <p:pRg st="13" end="13"/>
+                                            </p:txEl>
+                                          </p:spTgt>
+                                        </p:tgtEl>
+                                      </p:cBhvr>
+                                    </p:animEffect>
+                                  </p:childTnLst>
+                                </p:cTn>
+                              </p:par>
+                            </p:childTnLst>
+                          </p:cTn>
+                        </p:par>
+                      </p:childTnLst>
+                    </p:cTn>
+                  </p:par>
+                </p:childTnLst>
+              </p:cTn>
+              <p:prevCondLst>
+                <p:cond evt="onPrev" delay="0">
+                  <p:tgtEl>
+                    <p:sldTgt/>
+                  </p:tgtEl>
+                </p:cond>
+              </p:prevCondLst>
+              <p:nextCondLst>
+                <p:cond evt="onNext" delay="0">
+                  <p:tgtEl>
+                    <p:sldTgt/>
+                  </p:tgtEl>
+                </p:cond>
+              </p:nextCondLst>
+            </p:seq>
+          </p:childTnLst>
+        </p:cTn>
+      </p:par>
+    </p:tnLst>
+    <p:bldLst>
+      <p:bldP spid="3" grpId="0" uiExpand="1" build="p"/>
+      <p:bldP spid="9" grpId="0"/>
+      <p:bldP spid="10" grpId="0"/>
+    </p:bldLst>
+  </p:timing>
 </p:sld>
 </file>
 
@@ -4693,6 +6041,204 @@
   <p:clrMapOvr>
     <a:masterClrMapping/>
   </p:clrMapOvr>
+  <p:timing>
+    <p:tnLst>
+      <p:par>
+        <p:cTn id="1" dur="indefinite" restart="never" nodeType="tmRoot">
+          <p:childTnLst>
+            <p:seq concurrent="1" nextAc="seek">
+              <p:cTn id="2" dur="indefinite" nodeType="mainSeq">
+                <p:childTnLst>
+                  <p:par>
+                    <p:cTn id="3" fill="hold">
+                      <p:stCondLst>
+                        <p:cond delay="indefinite"/>
+                      </p:stCondLst>
+                      <p:childTnLst>
+                        <p:par>
+                          <p:cTn id="4" fill="hold">
+                            <p:stCondLst>
+                              <p:cond delay="0"/>
+                            </p:stCondLst>
+                            <p:childTnLst>
+                              <p:par>
+                                <p:cTn id="5" presetID="10" presetClass="entr" presetSubtype="0" fill="hold" grpId="0" nodeType="clickEffect">
+                                  <p:stCondLst>
+                                    <p:cond delay="0"/>
+                                  </p:stCondLst>
+                                  <p:childTnLst>
+                                    <p:set>
+                                      <p:cBhvr>
+                                        <p:cTn id="6" dur="1" fill="hold">
+                                          <p:stCondLst>
+                                            <p:cond delay="0"/>
+                                          </p:stCondLst>
+                                        </p:cTn>
+                                        <p:tgtEl>
+                                          <p:spTgt spid="3">
+                                            <p:txEl>
+                                              <p:pRg st="0" end="0"/>
+                                            </p:txEl>
+                                          </p:spTgt>
+                                        </p:tgtEl>
+                                        <p:attrNameLst>
+                                          <p:attrName>style.visibility</p:attrName>
+                                        </p:attrNameLst>
+                                      </p:cBhvr>
+                                      <p:to>
+                                        <p:strVal val="visible"/>
+                                      </p:to>
+                                    </p:set>
+                                    <p:animEffect transition="in" filter="fade">
+                                      <p:cBhvr>
+                                        <p:cTn id="7" dur="500"/>
+                                        <p:tgtEl>
+                                          <p:spTgt spid="3">
+                                            <p:txEl>
+                                              <p:pRg st="0" end="0"/>
+                                            </p:txEl>
+                                          </p:spTgt>
+                                        </p:tgtEl>
+                                      </p:cBhvr>
+                                    </p:animEffect>
+                                  </p:childTnLst>
+                                </p:cTn>
+                              </p:par>
+                            </p:childTnLst>
+                          </p:cTn>
+                        </p:par>
+                      </p:childTnLst>
+                    </p:cTn>
+                  </p:par>
+                  <p:par>
+                    <p:cTn id="8" fill="hold">
+                      <p:stCondLst>
+                        <p:cond delay="indefinite"/>
+                      </p:stCondLst>
+                      <p:childTnLst>
+                        <p:par>
+                          <p:cTn id="9" fill="hold">
+                            <p:stCondLst>
+                              <p:cond delay="0"/>
+                            </p:stCondLst>
+                            <p:childTnLst>
+                              <p:par>
+                                <p:cTn id="10" presetID="10" presetClass="entr" presetSubtype="0" fill="hold" grpId="0" nodeType="clickEffect">
+                                  <p:stCondLst>
+                                    <p:cond delay="0"/>
+                                  </p:stCondLst>
+                                  <p:childTnLst>
+                                    <p:set>
+                                      <p:cBhvr>
+                                        <p:cTn id="11" dur="1" fill="hold">
+                                          <p:stCondLst>
+                                            <p:cond delay="0"/>
+                                          </p:stCondLst>
+                                        </p:cTn>
+                                        <p:tgtEl>
+                                          <p:spTgt spid="3">
+                                            <p:txEl>
+                                              <p:pRg st="1" end="1"/>
+                                            </p:txEl>
+                                          </p:spTgt>
+                                        </p:tgtEl>
+                                        <p:attrNameLst>
+                                          <p:attrName>style.visibility</p:attrName>
+                                        </p:attrNameLst>
+                                      </p:cBhvr>
+                                      <p:to>
+                                        <p:strVal val="visible"/>
+                                      </p:to>
+                                    </p:set>
+                                    <p:animEffect transition="in" filter="fade">
+                                      <p:cBhvr>
+                                        <p:cTn id="12" dur="500"/>
+                                        <p:tgtEl>
+                                          <p:spTgt spid="3">
+                                            <p:txEl>
+                                              <p:pRg st="1" end="1"/>
+                                            </p:txEl>
+                                          </p:spTgt>
+                                        </p:tgtEl>
+                                      </p:cBhvr>
+                                    </p:animEffect>
+                                  </p:childTnLst>
+                                </p:cTn>
+                              </p:par>
+                              <p:par>
+                                <p:cTn id="13" presetID="10" presetClass="entr" presetSubtype="0" fill="hold" grpId="0" nodeType="withEffect">
+                                  <p:stCondLst>
+                                    <p:cond delay="0"/>
+                                  </p:stCondLst>
+                                  <p:childTnLst>
+                                    <p:set>
+                                      <p:cBhvr>
+                                        <p:cTn id="14" dur="1" fill="hold">
+                                          <p:stCondLst>
+                                            <p:cond delay="0"/>
+                                          </p:stCondLst>
+                                        </p:cTn>
+                                        <p:tgtEl>
+                                          <p:spTgt spid="3">
+                                            <p:txEl>
+                                              <p:pRg st="2" end="2"/>
+                                            </p:txEl>
+                                          </p:spTgt>
+                                        </p:tgtEl>
+                                        <p:attrNameLst>
+                                          <p:attrName>style.visibility</p:attrName>
+                                        </p:attrNameLst>
+                                      </p:cBhvr>
+                                      <p:to>
+                                        <p:strVal val="visible"/>
+                                      </p:to>
+                                    </p:set>
+                                    <p:animEffect transition="in" filter="fade">
+                                      <p:cBhvr>
+                                        <p:cTn id="15" dur="500"/>
+                                        <p:tgtEl>
+                                          <p:spTgt spid="3">
+                                            <p:txEl>
+                                              <p:pRg st="2" end="2"/>
+                                            </p:txEl>
+                                          </p:spTgt>
+                                        </p:tgtEl>
+                                      </p:cBhvr>
+                                    </p:animEffect>
+                                  </p:childTnLst>
+                                </p:cTn>
+                              </p:par>
+                            </p:childTnLst>
+                          </p:cTn>
+                        </p:par>
+                      </p:childTnLst>
+                    </p:cTn>
+                  </p:par>
+                </p:childTnLst>
+              </p:cTn>
+              <p:prevCondLst>
+                <p:cond evt="onPrev" delay="0">
+                  <p:tgtEl>
+                    <p:sldTgt/>
+                  </p:tgtEl>
+                </p:cond>
+              </p:prevCondLst>
+              <p:nextCondLst>
+                <p:cond evt="onNext" delay="0">
+                  <p:tgtEl>
+                    <p:sldTgt/>
+                  </p:tgtEl>
+                </p:cond>
+              </p:nextCondLst>
+            </p:seq>
+          </p:childTnLst>
+        </p:cTn>
+      </p:par>
+    </p:tnLst>
+    <p:bldLst>
+      <p:bldP spid="3" grpId="0" build="p"/>
+    </p:bldLst>
+  </p:timing>
 </p:sld>
 </file>
 
@@ -4784,7 +6330,14 @@
             <a:pPr lvl="1"/>
             <a:r>
               <a:rPr lang="en-US" dirty="0"/>
-              <a:t>Creates tunnel from client to destination.</a:t>
+              <a:t>Creates TCP / UDP tunnel from client to destination.</a:t>
+            </a:r>
+          </a:p>
+          <a:p>
+            <a:pPr lvl="1"/>
+            <a:r>
+              <a:rPr lang="en-US" dirty="0"/>
+              <a:t>Re-encapsulates transport layer and below.</a:t>
             </a:r>
           </a:p>
           <a:p>
@@ -4926,32 +6479,22 @@
           <a:p>
             <a:r>
               <a:rPr lang="en-US" dirty="0"/>
-              <a:t>Implementation details:</a:t>
-            </a:r>
-          </a:p>
-          <a:p>
-            <a:pPr lvl="1"/>
-            <a:r>
-              <a:rPr lang="en-US" dirty="0"/>
               <a:t>What to do if a proxy server is dead?</a:t>
             </a:r>
           </a:p>
           <a:p>
-            <a:pPr lvl="1"/>
             <a:r>
               <a:rPr lang="en-US" dirty="0"/>
               <a:t>How many passwords to try on each proxy before moving on to next proxy?</a:t>
             </a:r>
           </a:p>
           <a:p>
-            <a:pPr lvl="1"/>
             <a:r>
               <a:rPr lang="en-US" dirty="0"/>
               <a:t>Which proxy protocols to support?</a:t>
             </a:r>
           </a:p>
           <a:p>
-            <a:pPr lvl="1"/>
             <a:r>
               <a:rPr lang="en-US" dirty="0"/>
               <a:t>Detect failed / successful login?</a:t>
@@ -5009,6 +6552,283 @@
   <p:clrMapOvr>
     <a:masterClrMapping/>
   </p:clrMapOvr>
+  <p:timing>
+    <p:tnLst>
+      <p:par>
+        <p:cTn id="1" dur="indefinite" restart="never" nodeType="tmRoot">
+          <p:childTnLst>
+            <p:seq concurrent="1" nextAc="seek">
+              <p:cTn id="2" dur="indefinite" nodeType="mainSeq">
+                <p:childTnLst>
+                  <p:par>
+                    <p:cTn id="3" fill="hold">
+                      <p:stCondLst>
+                        <p:cond delay="indefinite"/>
+                      </p:stCondLst>
+                      <p:childTnLst>
+                        <p:par>
+                          <p:cTn id="4" fill="hold">
+                            <p:stCondLst>
+                              <p:cond delay="0"/>
+                            </p:stCondLst>
+                            <p:childTnLst>
+                              <p:par>
+                                <p:cTn id="5" presetID="10" presetClass="entr" presetSubtype="0" fill="hold" grpId="0" nodeType="clickEffect">
+                                  <p:stCondLst>
+                                    <p:cond delay="0"/>
+                                  </p:stCondLst>
+                                  <p:childTnLst>
+                                    <p:set>
+                                      <p:cBhvr>
+                                        <p:cTn id="6" dur="1" fill="hold">
+                                          <p:stCondLst>
+                                            <p:cond delay="0"/>
+                                          </p:stCondLst>
+                                        </p:cTn>
+                                        <p:tgtEl>
+                                          <p:spTgt spid="3">
+                                            <p:txEl>
+                                              <p:pRg st="0" end="0"/>
+                                            </p:txEl>
+                                          </p:spTgt>
+                                        </p:tgtEl>
+                                        <p:attrNameLst>
+                                          <p:attrName>style.visibility</p:attrName>
+                                        </p:attrNameLst>
+                                      </p:cBhvr>
+                                      <p:to>
+                                        <p:strVal val="visible"/>
+                                      </p:to>
+                                    </p:set>
+                                    <p:animEffect transition="in" filter="fade">
+                                      <p:cBhvr>
+                                        <p:cTn id="7" dur="500"/>
+                                        <p:tgtEl>
+                                          <p:spTgt spid="3">
+                                            <p:txEl>
+                                              <p:pRg st="0" end="0"/>
+                                            </p:txEl>
+                                          </p:spTgt>
+                                        </p:tgtEl>
+                                      </p:cBhvr>
+                                    </p:animEffect>
+                                  </p:childTnLst>
+                                </p:cTn>
+                              </p:par>
+                            </p:childTnLst>
+                          </p:cTn>
+                        </p:par>
+                      </p:childTnLst>
+                    </p:cTn>
+                  </p:par>
+                  <p:par>
+                    <p:cTn id="8" fill="hold">
+                      <p:stCondLst>
+                        <p:cond delay="indefinite"/>
+                      </p:stCondLst>
+                      <p:childTnLst>
+                        <p:par>
+                          <p:cTn id="9" fill="hold">
+                            <p:stCondLst>
+                              <p:cond delay="0"/>
+                            </p:stCondLst>
+                            <p:childTnLst>
+                              <p:par>
+                                <p:cTn id="10" presetID="10" presetClass="entr" presetSubtype="0" fill="hold" grpId="0" nodeType="clickEffect">
+                                  <p:stCondLst>
+                                    <p:cond delay="0"/>
+                                  </p:stCondLst>
+                                  <p:childTnLst>
+                                    <p:set>
+                                      <p:cBhvr>
+                                        <p:cTn id="11" dur="1" fill="hold">
+                                          <p:stCondLst>
+                                            <p:cond delay="0"/>
+                                          </p:stCondLst>
+                                        </p:cTn>
+                                        <p:tgtEl>
+                                          <p:spTgt spid="3">
+                                            <p:txEl>
+                                              <p:pRg st="1" end="1"/>
+                                            </p:txEl>
+                                          </p:spTgt>
+                                        </p:tgtEl>
+                                        <p:attrNameLst>
+                                          <p:attrName>style.visibility</p:attrName>
+                                        </p:attrNameLst>
+                                      </p:cBhvr>
+                                      <p:to>
+                                        <p:strVal val="visible"/>
+                                      </p:to>
+                                    </p:set>
+                                    <p:animEffect transition="in" filter="fade">
+                                      <p:cBhvr>
+                                        <p:cTn id="12" dur="500"/>
+                                        <p:tgtEl>
+                                          <p:spTgt spid="3">
+                                            <p:txEl>
+                                              <p:pRg st="1" end="1"/>
+                                            </p:txEl>
+                                          </p:spTgt>
+                                        </p:tgtEl>
+                                      </p:cBhvr>
+                                    </p:animEffect>
+                                  </p:childTnLst>
+                                </p:cTn>
+                              </p:par>
+                            </p:childTnLst>
+                          </p:cTn>
+                        </p:par>
+                      </p:childTnLst>
+                    </p:cTn>
+                  </p:par>
+                  <p:par>
+                    <p:cTn id="13" fill="hold">
+                      <p:stCondLst>
+                        <p:cond delay="indefinite"/>
+                      </p:stCondLst>
+                      <p:childTnLst>
+                        <p:par>
+                          <p:cTn id="14" fill="hold">
+                            <p:stCondLst>
+                              <p:cond delay="0"/>
+                            </p:stCondLst>
+                            <p:childTnLst>
+                              <p:par>
+                                <p:cTn id="15" presetID="10" presetClass="entr" presetSubtype="0" fill="hold" grpId="0" nodeType="clickEffect">
+                                  <p:stCondLst>
+                                    <p:cond delay="0"/>
+                                  </p:stCondLst>
+                                  <p:childTnLst>
+                                    <p:set>
+                                      <p:cBhvr>
+                                        <p:cTn id="16" dur="1" fill="hold">
+                                          <p:stCondLst>
+                                            <p:cond delay="0"/>
+                                          </p:stCondLst>
+                                        </p:cTn>
+                                        <p:tgtEl>
+                                          <p:spTgt spid="3">
+                                            <p:txEl>
+                                              <p:pRg st="2" end="2"/>
+                                            </p:txEl>
+                                          </p:spTgt>
+                                        </p:tgtEl>
+                                        <p:attrNameLst>
+                                          <p:attrName>style.visibility</p:attrName>
+                                        </p:attrNameLst>
+                                      </p:cBhvr>
+                                      <p:to>
+                                        <p:strVal val="visible"/>
+                                      </p:to>
+                                    </p:set>
+                                    <p:animEffect transition="in" filter="fade">
+                                      <p:cBhvr>
+                                        <p:cTn id="17" dur="500"/>
+                                        <p:tgtEl>
+                                          <p:spTgt spid="3">
+                                            <p:txEl>
+                                              <p:pRg st="2" end="2"/>
+                                            </p:txEl>
+                                          </p:spTgt>
+                                        </p:tgtEl>
+                                      </p:cBhvr>
+                                    </p:animEffect>
+                                  </p:childTnLst>
+                                </p:cTn>
+                              </p:par>
+                            </p:childTnLst>
+                          </p:cTn>
+                        </p:par>
+                      </p:childTnLst>
+                    </p:cTn>
+                  </p:par>
+                  <p:par>
+                    <p:cTn id="18" fill="hold">
+                      <p:stCondLst>
+                        <p:cond delay="indefinite"/>
+                      </p:stCondLst>
+                      <p:childTnLst>
+                        <p:par>
+                          <p:cTn id="19" fill="hold">
+                            <p:stCondLst>
+                              <p:cond delay="0"/>
+                            </p:stCondLst>
+                            <p:childTnLst>
+                              <p:par>
+                                <p:cTn id="20" presetID="10" presetClass="entr" presetSubtype="0" fill="hold" grpId="0" nodeType="clickEffect">
+                                  <p:stCondLst>
+                                    <p:cond delay="0"/>
+                                  </p:stCondLst>
+                                  <p:childTnLst>
+                                    <p:set>
+                                      <p:cBhvr>
+                                        <p:cTn id="21" dur="1" fill="hold">
+                                          <p:stCondLst>
+                                            <p:cond delay="0"/>
+                                          </p:stCondLst>
+                                        </p:cTn>
+                                        <p:tgtEl>
+                                          <p:spTgt spid="3">
+                                            <p:txEl>
+                                              <p:pRg st="3" end="3"/>
+                                            </p:txEl>
+                                          </p:spTgt>
+                                        </p:tgtEl>
+                                        <p:attrNameLst>
+                                          <p:attrName>style.visibility</p:attrName>
+                                        </p:attrNameLst>
+                                      </p:cBhvr>
+                                      <p:to>
+                                        <p:strVal val="visible"/>
+                                      </p:to>
+                                    </p:set>
+                                    <p:animEffect transition="in" filter="fade">
+                                      <p:cBhvr>
+                                        <p:cTn id="22" dur="500"/>
+                                        <p:tgtEl>
+                                          <p:spTgt spid="3">
+                                            <p:txEl>
+                                              <p:pRg st="3" end="3"/>
+                                            </p:txEl>
+                                          </p:spTgt>
+                                        </p:tgtEl>
+                                      </p:cBhvr>
+                                    </p:animEffect>
+                                  </p:childTnLst>
+                                </p:cTn>
+                              </p:par>
+                            </p:childTnLst>
+                          </p:cTn>
+                        </p:par>
+                      </p:childTnLst>
+                    </p:cTn>
+                  </p:par>
+                </p:childTnLst>
+              </p:cTn>
+              <p:prevCondLst>
+                <p:cond evt="onPrev" delay="0">
+                  <p:tgtEl>
+                    <p:sldTgt/>
+                  </p:tgtEl>
+                </p:cond>
+              </p:prevCondLst>
+              <p:nextCondLst>
+                <p:cond evt="onNext" delay="0">
+                  <p:tgtEl>
+                    <p:sldTgt/>
+                  </p:tgtEl>
+                </p:cond>
+              </p:nextCondLst>
+            </p:seq>
+          </p:childTnLst>
+        </p:cTn>
+      </p:par>
+    </p:tnLst>
+    <p:bldLst>
+      <p:bldP spid="3" grpId="0" uiExpand="1" build="p"/>
+    </p:bldLst>
+  </p:timing>
 </p:sld>
 </file>
 
@@ -5185,6 +7005,394 @@
   <p:clrMapOvr>
     <a:masterClrMapping/>
   </p:clrMapOvr>
+  <p:timing>
+    <p:tnLst>
+      <p:par>
+        <p:cTn id="1" dur="indefinite" restart="never" nodeType="tmRoot">
+          <p:childTnLst>
+            <p:seq concurrent="1" nextAc="seek">
+              <p:cTn id="2" dur="indefinite" nodeType="mainSeq">
+                <p:childTnLst>
+                  <p:par>
+                    <p:cTn id="3" fill="hold">
+                      <p:stCondLst>
+                        <p:cond delay="indefinite"/>
+                      </p:stCondLst>
+                      <p:childTnLst>
+                        <p:par>
+                          <p:cTn id="4" fill="hold">
+                            <p:stCondLst>
+                              <p:cond delay="0"/>
+                            </p:stCondLst>
+                            <p:childTnLst>
+                              <p:par>
+                                <p:cTn id="5" presetID="10" presetClass="entr" presetSubtype="0" fill="hold" grpId="0" nodeType="clickEffect">
+                                  <p:stCondLst>
+                                    <p:cond delay="0"/>
+                                  </p:stCondLst>
+                                  <p:childTnLst>
+                                    <p:set>
+                                      <p:cBhvr>
+                                        <p:cTn id="6" dur="1" fill="hold">
+                                          <p:stCondLst>
+                                            <p:cond delay="0"/>
+                                          </p:stCondLst>
+                                        </p:cTn>
+                                        <p:tgtEl>
+                                          <p:spTgt spid="3">
+                                            <p:txEl>
+                                              <p:pRg st="0" end="0"/>
+                                            </p:txEl>
+                                          </p:spTgt>
+                                        </p:tgtEl>
+                                        <p:attrNameLst>
+                                          <p:attrName>style.visibility</p:attrName>
+                                        </p:attrNameLst>
+                                      </p:cBhvr>
+                                      <p:to>
+                                        <p:strVal val="visible"/>
+                                      </p:to>
+                                    </p:set>
+                                    <p:animEffect transition="in" filter="fade">
+                                      <p:cBhvr>
+                                        <p:cTn id="7" dur="500"/>
+                                        <p:tgtEl>
+                                          <p:spTgt spid="3">
+                                            <p:txEl>
+                                              <p:pRg st="0" end="0"/>
+                                            </p:txEl>
+                                          </p:spTgt>
+                                        </p:tgtEl>
+                                      </p:cBhvr>
+                                    </p:animEffect>
+                                  </p:childTnLst>
+                                </p:cTn>
+                              </p:par>
+                            </p:childTnLst>
+                          </p:cTn>
+                        </p:par>
+                      </p:childTnLst>
+                    </p:cTn>
+                  </p:par>
+                  <p:par>
+                    <p:cTn id="8" fill="hold">
+                      <p:stCondLst>
+                        <p:cond delay="indefinite"/>
+                      </p:stCondLst>
+                      <p:childTnLst>
+                        <p:par>
+                          <p:cTn id="9" fill="hold">
+                            <p:stCondLst>
+                              <p:cond delay="0"/>
+                            </p:stCondLst>
+                            <p:childTnLst>
+                              <p:par>
+                                <p:cTn id="10" presetID="10" presetClass="entr" presetSubtype="0" fill="hold" grpId="0" nodeType="clickEffect">
+                                  <p:stCondLst>
+                                    <p:cond delay="0"/>
+                                  </p:stCondLst>
+                                  <p:childTnLst>
+                                    <p:set>
+                                      <p:cBhvr>
+                                        <p:cTn id="11" dur="1" fill="hold">
+                                          <p:stCondLst>
+                                            <p:cond delay="0"/>
+                                          </p:stCondLst>
+                                        </p:cTn>
+                                        <p:tgtEl>
+                                          <p:spTgt spid="3">
+                                            <p:txEl>
+                                              <p:pRg st="1" end="1"/>
+                                            </p:txEl>
+                                          </p:spTgt>
+                                        </p:tgtEl>
+                                        <p:attrNameLst>
+                                          <p:attrName>style.visibility</p:attrName>
+                                        </p:attrNameLst>
+                                      </p:cBhvr>
+                                      <p:to>
+                                        <p:strVal val="visible"/>
+                                      </p:to>
+                                    </p:set>
+                                    <p:animEffect transition="in" filter="fade">
+                                      <p:cBhvr>
+                                        <p:cTn id="12" dur="500"/>
+                                        <p:tgtEl>
+                                          <p:spTgt spid="3">
+                                            <p:txEl>
+                                              <p:pRg st="1" end="1"/>
+                                            </p:txEl>
+                                          </p:spTgt>
+                                        </p:tgtEl>
+                                      </p:cBhvr>
+                                    </p:animEffect>
+                                  </p:childTnLst>
+                                </p:cTn>
+                              </p:par>
+                              <p:par>
+                                <p:cTn id="13" presetID="10" presetClass="entr" presetSubtype="0" fill="hold" grpId="0" nodeType="withEffect">
+                                  <p:stCondLst>
+                                    <p:cond delay="0"/>
+                                  </p:stCondLst>
+                                  <p:childTnLst>
+                                    <p:set>
+                                      <p:cBhvr>
+                                        <p:cTn id="14" dur="1" fill="hold">
+                                          <p:stCondLst>
+                                            <p:cond delay="0"/>
+                                          </p:stCondLst>
+                                        </p:cTn>
+                                        <p:tgtEl>
+                                          <p:spTgt spid="3">
+                                            <p:txEl>
+                                              <p:pRg st="2" end="2"/>
+                                            </p:txEl>
+                                          </p:spTgt>
+                                        </p:tgtEl>
+                                        <p:attrNameLst>
+                                          <p:attrName>style.visibility</p:attrName>
+                                        </p:attrNameLst>
+                                      </p:cBhvr>
+                                      <p:to>
+                                        <p:strVal val="visible"/>
+                                      </p:to>
+                                    </p:set>
+                                    <p:animEffect transition="in" filter="fade">
+                                      <p:cBhvr>
+                                        <p:cTn id="15" dur="500"/>
+                                        <p:tgtEl>
+                                          <p:spTgt spid="3">
+                                            <p:txEl>
+                                              <p:pRg st="2" end="2"/>
+                                            </p:txEl>
+                                          </p:spTgt>
+                                        </p:tgtEl>
+                                      </p:cBhvr>
+                                    </p:animEffect>
+                                  </p:childTnLst>
+                                </p:cTn>
+                              </p:par>
+                            </p:childTnLst>
+                          </p:cTn>
+                        </p:par>
+                      </p:childTnLst>
+                    </p:cTn>
+                  </p:par>
+                  <p:par>
+                    <p:cTn id="16" fill="hold">
+                      <p:stCondLst>
+                        <p:cond delay="indefinite"/>
+                      </p:stCondLst>
+                      <p:childTnLst>
+                        <p:par>
+                          <p:cTn id="17" fill="hold">
+                            <p:stCondLst>
+                              <p:cond delay="0"/>
+                            </p:stCondLst>
+                            <p:childTnLst>
+                              <p:par>
+                                <p:cTn id="18" presetID="10" presetClass="entr" presetSubtype="0" fill="hold" grpId="0" nodeType="clickEffect">
+                                  <p:stCondLst>
+                                    <p:cond delay="0"/>
+                                  </p:stCondLst>
+                                  <p:childTnLst>
+                                    <p:set>
+                                      <p:cBhvr>
+                                        <p:cTn id="19" dur="1" fill="hold">
+                                          <p:stCondLst>
+                                            <p:cond delay="0"/>
+                                          </p:stCondLst>
+                                        </p:cTn>
+                                        <p:tgtEl>
+                                          <p:spTgt spid="3">
+                                            <p:txEl>
+                                              <p:pRg st="3" end="3"/>
+                                            </p:txEl>
+                                          </p:spTgt>
+                                        </p:tgtEl>
+                                        <p:attrNameLst>
+                                          <p:attrName>style.visibility</p:attrName>
+                                        </p:attrNameLst>
+                                      </p:cBhvr>
+                                      <p:to>
+                                        <p:strVal val="visible"/>
+                                      </p:to>
+                                    </p:set>
+                                    <p:animEffect transition="in" filter="fade">
+                                      <p:cBhvr>
+                                        <p:cTn id="20" dur="500"/>
+                                        <p:tgtEl>
+                                          <p:spTgt spid="3">
+                                            <p:txEl>
+                                              <p:pRg st="3" end="3"/>
+                                            </p:txEl>
+                                          </p:spTgt>
+                                        </p:tgtEl>
+                                      </p:cBhvr>
+                                    </p:animEffect>
+                                  </p:childTnLst>
+                                </p:cTn>
+                              </p:par>
+                              <p:par>
+                                <p:cTn id="21" presetID="10" presetClass="entr" presetSubtype="0" fill="hold" grpId="0" nodeType="withEffect">
+                                  <p:stCondLst>
+                                    <p:cond delay="0"/>
+                                  </p:stCondLst>
+                                  <p:childTnLst>
+                                    <p:set>
+                                      <p:cBhvr>
+                                        <p:cTn id="22" dur="1" fill="hold">
+                                          <p:stCondLst>
+                                            <p:cond delay="0"/>
+                                          </p:stCondLst>
+                                        </p:cTn>
+                                        <p:tgtEl>
+                                          <p:spTgt spid="3">
+                                            <p:txEl>
+                                              <p:pRg st="4" end="4"/>
+                                            </p:txEl>
+                                          </p:spTgt>
+                                        </p:tgtEl>
+                                        <p:attrNameLst>
+                                          <p:attrName>style.visibility</p:attrName>
+                                        </p:attrNameLst>
+                                      </p:cBhvr>
+                                      <p:to>
+                                        <p:strVal val="visible"/>
+                                      </p:to>
+                                    </p:set>
+                                    <p:animEffect transition="in" filter="fade">
+                                      <p:cBhvr>
+                                        <p:cTn id="23" dur="500"/>
+                                        <p:tgtEl>
+                                          <p:spTgt spid="3">
+                                            <p:txEl>
+                                              <p:pRg st="4" end="4"/>
+                                            </p:txEl>
+                                          </p:spTgt>
+                                        </p:tgtEl>
+                                      </p:cBhvr>
+                                    </p:animEffect>
+                                  </p:childTnLst>
+                                </p:cTn>
+                              </p:par>
+                              <p:par>
+                                <p:cTn id="24" presetID="10" presetClass="entr" presetSubtype="0" fill="hold" grpId="0" nodeType="withEffect">
+                                  <p:stCondLst>
+                                    <p:cond delay="0"/>
+                                  </p:stCondLst>
+                                  <p:childTnLst>
+                                    <p:set>
+                                      <p:cBhvr>
+                                        <p:cTn id="25" dur="1" fill="hold">
+                                          <p:stCondLst>
+                                            <p:cond delay="0"/>
+                                          </p:stCondLst>
+                                        </p:cTn>
+                                        <p:tgtEl>
+                                          <p:spTgt spid="3">
+                                            <p:txEl>
+                                              <p:pRg st="5" end="5"/>
+                                            </p:txEl>
+                                          </p:spTgt>
+                                        </p:tgtEl>
+                                        <p:attrNameLst>
+                                          <p:attrName>style.visibility</p:attrName>
+                                        </p:attrNameLst>
+                                      </p:cBhvr>
+                                      <p:to>
+                                        <p:strVal val="visible"/>
+                                      </p:to>
+                                    </p:set>
+                                    <p:animEffect transition="in" filter="fade">
+                                      <p:cBhvr>
+                                        <p:cTn id="26" dur="500"/>
+                                        <p:tgtEl>
+                                          <p:spTgt spid="3">
+                                            <p:txEl>
+                                              <p:pRg st="5" end="5"/>
+                                            </p:txEl>
+                                          </p:spTgt>
+                                        </p:tgtEl>
+                                      </p:cBhvr>
+                                    </p:animEffect>
+                                  </p:childTnLst>
+                                </p:cTn>
+                              </p:par>
+                              <p:par>
+                                <p:cTn id="27" presetID="10" presetClass="entr" presetSubtype="0" fill="hold" grpId="0" nodeType="withEffect">
+                                  <p:stCondLst>
+                                    <p:cond delay="0"/>
+                                  </p:stCondLst>
+                                  <p:childTnLst>
+                                    <p:set>
+                                      <p:cBhvr>
+                                        <p:cTn id="28" dur="1" fill="hold">
+                                          <p:stCondLst>
+                                            <p:cond delay="0"/>
+                                          </p:stCondLst>
+                                        </p:cTn>
+                                        <p:tgtEl>
+                                          <p:spTgt spid="3">
+                                            <p:txEl>
+                                              <p:pRg st="6" end="6"/>
+                                            </p:txEl>
+                                          </p:spTgt>
+                                        </p:tgtEl>
+                                        <p:attrNameLst>
+                                          <p:attrName>style.visibility</p:attrName>
+                                        </p:attrNameLst>
+                                      </p:cBhvr>
+                                      <p:to>
+                                        <p:strVal val="visible"/>
+                                      </p:to>
+                                    </p:set>
+                                    <p:animEffect transition="in" filter="fade">
+                                      <p:cBhvr>
+                                        <p:cTn id="29" dur="500"/>
+                                        <p:tgtEl>
+                                          <p:spTgt spid="3">
+                                            <p:txEl>
+                                              <p:pRg st="6" end="6"/>
+                                            </p:txEl>
+                                          </p:spTgt>
+                                        </p:tgtEl>
+                                      </p:cBhvr>
+                                    </p:animEffect>
+                                  </p:childTnLst>
+                                </p:cTn>
+                              </p:par>
+                            </p:childTnLst>
+                          </p:cTn>
+                        </p:par>
+                      </p:childTnLst>
+                    </p:cTn>
+                  </p:par>
+                </p:childTnLst>
+              </p:cTn>
+              <p:prevCondLst>
+                <p:cond evt="onPrev" delay="0">
+                  <p:tgtEl>
+                    <p:sldTgt/>
+                  </p:tgtEl>
+                </p:cond>
+              </p:prevCondLst>
+              <p:nextCondLst>
+                <p:cond evt="onNext" delay="0">
+                  <p:tgtEl>
+                    <p:sldTgt/>
+                  </p:tgtEl>
+                </p:cond>
+              </p:nextCondLst>
+            </p:seq>
+          </p:childTnLst>
+        </p:cTn>
+      </p:par>
+    </p:tnLst>
+    <p:bldLst>
+      <p:bldP spid="3" grpId="0" build="p"/>
+    </p:bldLst>
+  </p:timing>
 </p:sld>
 </file>
 
@@ -5299,35 +7507,6 @@
           <a:chExt cx="0" cy="0"/>
         </a:xfrm>
       </p:grpSpPr>
-      <p:pic>
-        <p:nvPicPr>
-          <p:cNvPr id="4" name="Picture 3">
-            <a:extLst>
-              <a:ext uri="{FF2B5EF4-FFF2-40B4-BE49-F238E27FC236}">
-                <a16:creationId xmlns:a16="http://schemas.microsoft.com/office/drawing/2014/main" id="{6A46AF0E-34BC-4550-83FA-AB77570B67DE}"/>
-              </a:ext>
-            </a:extLst>
-          </p:cNvPr>
-          <p:cNvPicPr>
-            <a:picLocks noChangeAspect="1"/>
-          </p:cNvPicPr>
-          <p:nvPr/>
-        </p:nvPicPr>
-        <p:blipFill rotWithShape="1">
-          <a:blip r:embed="rId2"/>
-          <a:srcRect l="24859" t="17050" r="20124" b="7957"/>
-          <a:stretch/>
-        </p:blipFill>
-        <p:spPr>
-          <a:xfrm>
-            <a:off x="3422468" y="2595662"/>
-            <a:ext cx="2508069" cy="3276672"/>
-          </a:xfrm>
-          <a:prstGeom prst="rect">
-            <a:avLst/>
-          </a:prstGeom>
-        </p:spPr>
-      </p:pic>
       <p:sp>
         <p:nvSpPr>
           <p:cNvPr id="2" name="Title 1">
@@ -5379,13 +7558,15 @@
               </a:ext>
             </a:extLst>
           </p:cNvPr>
-          <p:cNvCxnSpPr/>
+          <p:cNvCxnSpPr>
+            <a:cxnSpLocks/>
+          </p:cNvCxnSpPr>
           <p:nvPr/>
         </p:nvCxnSpPr>
         <p:spPr>
           <a:xfrm>
-            <a:off x="2312126" y="3429000"/>
-            <a:ext cx="1303020" cy="0"/>
+            <a:off x="2136279" y="2802988"/>
+            <a:ext cx="860139" cy="0"/>
           </a:xfrm>
           <a:prstGeom prst="straightConnector1">
             <a:avLst/>
@@ -5421,13 +7602,15 @@
               </a:ext>
             </a:extLst>
           </p:cNvPr>
-          <p:cNvCxnSpPr/>
+          <p:cNvCxnSpPr>
+            <a:cxnSpLocks/>
+          </p:cNvCxnSpPr>
           <p:nvPr/>
         </p:nvCxnSpPr>
         <p:spPr>
           <a:xfrm>
-            <a:off x="2312126" y="3765368"/>
-            <a:ext cx="1303020" cy="0"/>
+            <a:off x="2136279" y="3139356"/>
+            <a:ext cx="860139" cy="0"/>
           </a:xfrm>
           <a:prstGeom prst="straightConnector1">
             <a:avLst/>
@@ -5468,7 +7651,7 @@
         </p:nvSpPr>
         <p:spPr>
           <a:xfrm>
-            <a:off x="628650" y="3092632"/>
+            <a:off x="452803" y="2466620"/>
             <a:ext cx="1838678" cy="530915"/>
           </a:xfrm>
           <a:prstGeom prst="rect">
@@ -5523,7 +7706,7 @@
         </p:nvSpPr>
         <p:spPr>
           <a:xfrm>
-            <a:off x="1391900" y="3499911"/>
+            <a:off x="1216053" y="2873899"/>
             <a:ext cx="859852" cy="530915"/>
           </a:xfrm>
           <a:prstGeom prst="rect">
@@ -5569,7 +7752,7 @@
           <p:nvPr/>
         </p:nvPicPr>
         <p:blipFill>
-          <a:blip r:embed="rId3">
+          <a:blip r:embed="rId2">
             <a:extLst>
               <a:ext uri="{28A0092B-C50C-407E-A947-70E740481C1C}">
                 <a14:useLocalDpi xmlns:a14="http://schemas.microsoft.com/office/drawing/2010/main" val="0"/>
@@ -5590,6 +7773,36 @@
           </a:prstGeom>
         </p:spPr>
       </p:pic>
+      <p:pic>
+        <p:nvPicPr>
+          <p:cNvPr id="5" name="Picture 4">
+            <a:extLst>
+              <a:ext uri="{FF2B5EF4-FFF2-40B4-BE49-F238E27FC236}">
+                <a16:creationId xmlns:a16="http://schemas.microsoft.com/office/drawing/2014/main" id="{5C3B371D-4AA2-412B-ABA2-C28393FA849B}"/>
+              </a:ext>
+            </a:extLst>
+          </p:cNvPr>
+          <p:cNvPicPr>
+            <a:picLocks noChangeAspect="1"/>
+          </p:cNvPicPr>
+          <p:nvPr/>
+        </p:nvPicPr>
+        <p:blipFill>
+          <a:blip r:embed="rId3"/>
+          <a:stretch>
+            <a:fillRect/>
+          </a:stretch>
+        </p:blipFill>
+        <p:spPr>
+          <a:xfrm>
+            <a:off x="3186919" y="2466620"/>
+            <a:ext cx="4592514" cy="1293598"/>
+          </a:xfrm>
+          <a:prstGeom prst="rect">
+            <a:avLst/>
+          </a:prstGeom>
+        </p:spPr>
+      </p:pic>
     </p:spTree>
     <p:extLst>
       <p:ext uri="{BB962C8B-B14F-4D97-AF65-F5344CB8AC3E}">
@@ -5600,6 +7813,198 @@
   <p:clrMapOvr>
     <a:masterClrMapping/>
   </p:clrMapOvr>
+  <p:timing>
+    <p:tnLst>
+      <p:par>
+        <p:cTn id="1" dur="indefinite" restart="never" nodeType="tmRoot">
+          <p:childTnLst>
+            <p:seq concurrent="1" nextAc="seek">
+              <p:cTn id="2" dur="indefinite" nodeType="mainSeq">
+                <p:childTnLst>
+                  <p:par>
+                    <p:cTn id="3" fill="hold">
+                      <p:stCondLst>
+                        <p:cond delay="indefinite"/>
+                      </p:stCondLst>
+                      <p:childTnLst>
+                        <p:par>
+                          <p:cTn id="4" fill="hold">
+                            <p:stCondLst>
+                              <p:cond delay="0"/>
+                            </p:stCondLst>
+                            <p:childTnLst>
+                              <p:par>
+                                <p:cTn id="5" presetID="10" presetClass="entr" presetSubtype="0" fill="hold" grpId="0" nodeType="clickEffect">
+                                  <p:stCondLst>
+                                    <p:cond delay="0"/>
+                                  </p:stCondLst>
+                                  <p:childTnLst>
+                                    <p:set>
+                                      <p:cBhvr>
+                                        <p:cTn id="6" dur="1" fill="hold">
+                                          <p:stCondLst>
+                                            <p:cond delay="0"/>
+                                          </p:stCondLst>
+                                        </p:cTn>
+                                        <p:tgtEl>
+                                          <p:spTgt spid="9"/>
+                                        </p:tgtEl>
+                                        <p:attrNameLst>
+                                          <p:attrName>style.visibility</p:attrName>
+                                        </p:attrNameLst>
+                                      </p:cBhvr>
+                                      <p:to>
+                                        <p:strVal val="visible"/>
+                                      </p:to>
+                                    </p:set>
+                                    <p:animEffect transition="in" filter="fade">
+                                      <p:cBhvr>
+                                        <p:cTn id="7" dur="500"/>
+                                        <p:tgtEl>
+                                          <p:spTgt spid="9"/>
+                                        </p:tgtEl>
+                                      </p:cBhvr>
+                                    </p:animEffect>
+                                  </p:childTnLst>
+                                </p:cTn>
+                              </p:par>
+                              <p:par>
+                                <p:cTn id="8" presetID="10" presetClass="entr" presetSubtype="0" fill="hold" grpId="0" nodeType="withEffect">
+                                  <p:stCondLst>
+                                    <p:cond delay="0"/>
+                                  </p:stCondLst>
+                                  <p:childTnLst>
+                                    <p:set>
+                                      <p:cBhvr>
+                                        <p:cTn id="9" dur="1" fill="hold">
+                                          <p:stCondLst>
+                                            <p:cond delay="0"/>
+                                          </p:stCondLst>
+                                        </p:cTn>
+                                        <p:tgtEl>
+                                          <p:spTgt spid="8"/>
+                                        </p:tgtEl>
+                                        <p:attrNameLst>
+                                          <p:attrName>style.visibility</p:attrName>
+                                        </p:attrNameLst>
+                                      </p:cBhvr>
+                                      <p:to>
+                                        <p:strVal val="visible"/>
+                                      </p:to>
+                                    </p:set>
+                                    <p:animEffect transition="in" filter="fade">
+                                      <p:cBhvr>
+                                        <p:cTn id="10" dur="500"/>
+                                        <p:tgtEl>
+                                          <p:spTgt spid="8"/>
+                                        </p:tgtEl>
+                                      </p:cBhvr>
+                                    </p:animEffect>
+                                  </p:childTnLst>
+                                </p:cTn>
+                              </p:par>
+                              <p:par>
+                                <p:cTn id="11" presetID="10" presetClass="entr" presetSubtype="0" fill="hold" nodeType="withEffect">
+                                  <p:stCondLst>
+                                    <p:cond delay="0"/>
+                                  </p:stCondLst>
+                                  <p:childTnLst>
+                                    <p:set>
+                                      <p:cBhvr>
+                                        <p:cTn id="12" dur="1" fill="hold">
+                                          <p:stCondLst>
+                                            <p:cond delay="0"/>
+                                          </p:stCondLst>
+                                        </p:cTn>
+                                        <p:tgtEl>
+                                          <p:spTgt spid="6"/>
+                                        </p:tgtEl>
+                                        <p:attrNameLst>
+                                          <p:attrName>style.visibility</p:attrName>
+                                        </p:attrNameLst>
+                                      </p:cBhvr>
+                                      <p:to>
+                                        <p:strVal val="visible"/>
+                                      </p:to>
+                                    </p:set>
+                                    <p:animEffect transition="in" filter="fade">
+                                      <p:cBhvr>
+                                        <p:cTn id="13" dur="500"/>
+                                        <p:tgtEl>
+                                          <p:spTgt spid="6"/>
+                                        </p:tgtEl>
+                                      </p:cBhvr>
+                                    </p:animEffect>
+                                  </p:childTnLst>
+                                </p:cTn>
+                              </p:par>
+                              <p:par>
+                                <p:cTn id="14" presetID="10" presetClass="entr" presetSubtype="0" fill="hold" nodeType="withEffect">
+                                  <p:stCondLst>
+                                    <p:cond delay="0"/>
+                                  </p:stCondLst>
+                                  <p:childTnLst>
+                                    <p:set>
+                                      <p:cBhvr>
+                                        <p:cTn id="15" dur="1" fill="hold">
+                                          <p:stCondLst>
+                                            <p:cond delay="0"/>
+                                          </p:stCondLst>
+                                        </p:cTn>
+                                        <p:tgtEl>
+                                          <p:spTgt spid="7"/>
+                                        </p:tgtEl>
+                                        <p:attrNameLst>
+                                          <p:attrName>style.visibility</p:attrName>
+                                        </p:attrNameLst>
+                                      </p:cBhvr>
+                                      <p:to>
+                                        <p:strVal val="visible"/>
+                                      </p:to>
+                                    </p:set>
+                                    <p:animEffect transition="in" filter="fade">
+                                      <p:cBhvr>
+                                        <p:cTn id="16" dur="500"/>
+                                        <p:tgtEl>
+                                          <p:spTgt spid="7"/>
+                                        </p:tgtEl>
+                                      </p:cBhvr>
+                                    </p:animEffect>
+                                  </p:childTnLst>
+                                </p:cTn>
+                              </p:par>
+                            </p:childTnLst>
+                          </p:cTn>
+                        </p:par>
+                      </p:childTnLst>
+                    </p:cTn>
+                  </p:par>
+                </p:childTnLst>
+              </p:cTn>
+              <p:prevCondLst>
+                <p:cond evt="onPrev" delay="0">
+                  <p:tgtEl>
+                    <p:sldTgt/>
+                  </p:tgtEl>
+                </p:cond>
+              </p:prevCondLst>
+              <p:nextCondLst>
+                <p:cond evt="onNext" delay="0">
+                  <p:tgtEl>
+                    <p:sldTgt/>
+                  </p:tgtEl>
+                </p:cond>
+              </p:nextCondLst>
+            </p:seq>
+          </p:childTnLst>
+        </p:cTn>
+      </p:par>
+    </p:tnLst>
+    <p:bldLst>
+      <p:bldP spid="8" grpId="0"/>
+      <p:bldP spid="9" grpId="0"/>
+    </p:bldLst>
+  </p:timing>
 </p:sld>
 </file>
 
@@ -5889,8 +8294,8 @@
         </p:nvSpPr>
         <p:spPr>
           <a:xfrm>
-            <a:off x="5350166" y="4512942"/>
-            <a:ext cx="1678666" cy="923330"/>
+            <a:off x="5218884" y="4512942"/>
+            <a:ext cx="1941237" cy="923330"/>
           </a:xfrm>
           <a:prstGeom prst="rect">
             <a:avLst/>
@@ -5925,7 +8330,7 @@
                   </a:outerShdw>
                 </a:effectLst>
               </a:rPr>
-              <a:t>them</a:t>
+              <a:t>server</a:t>
             </a:r>
             <a:endParaRPr lang="en-US" sz="5400" b="0" cap="none" spc="0" dirty="0">
               <a:ln w="0"/>
@@ -6208,6 +8613,161 @@
   <p:clrMapOvr>
     <a:masterClrMapping/>
   </p:clrMapOvr>
+  <p:timing>
+    <p:tnLst>
+      <p:par>
+        <p:cTn id="1" dur="indefinite" restart="never" nodeType="tmRoot">
+          <p:childTnLst>
+            <p:seq concurrent="1" nextAc="seek">
+              <p:cTn id="2" dur="indefinite" nodeType="mainSeq">
+                <p:childTnLst>
+                  <p:par>
+                    <p:cTn id="3" fill="hold">
+                      <p:stCondLst>
+                        <p:cond delay="indefinite"/>
+                      </p:stCondLst>
+                      <p:childTnLst>
+                        <p:par>
+                          <p:cTn id="4" fill="hold">
+                            <p:stCondLst>
+                              <p:cond delay="0"/>
+                            </p:stCondLst>
+                            <p:childTnLst>
+                              <p:par>
+                                <p:cTn id="5" presetID="10" presetClass="entr" presetSubtype="0" fill="hold" grpId="0" nodeType="clickEffect">
+                                  <p:stCondLst>
+                                    <p:cond delay="0"/>
+                                  </p:stCondLst>
+                                  <p:childTnLst>
+                                    <p:set>
+                                      <p:cBhvr>
+                                        <p:cTn id="6" dur="1" fill="hold">
+                                          <p:stCondLst>
+                                            <p:cond delay="0"/>
+                                          </p:stCondLst>
+                                        </p:cTn>
+                                        <p:tgtEl>
+                                          <p:spTgt spid="3">
+                                            <p:txEl>
+                                              <p:pRg st="0" end="0"/>
+                                            </p:txEl>
+                                          </p:spTgt>
+                                        </p:tgtEl>
+                                        <p:attrNameLst>
+                                          <p:attrName>style.visibility</p:attrName>
+                                        </p:attrNameLst>
+                                      </p:cBhvr>
+                                      <p:to>
+                                        <p:strVal val="visible"/>
+                                      </p:to>
+                                    </p:set>
+                                    <p:animEffect transition="in" filter="fade">
+                                      <p:cBhvr>
+                                        <p:cTn id="7" dur="500"/>
+                                        <p:tgtEl>
+                                          <p:spTgt spid="3">
+                                            <p:txEl>
+                                              <p:pRg st="0" end="0"/>
+                                            </p:txEl>
+                                          </p:spTgt>
+                                        </p:tgtEl>
+                                      </p:cBhvr>
+                                    </p:animEffect>
+                                  </p:childTnLst>
+                                </p:cTn>
+                              </p:par>
+                            </p:childTnLst>
+                          </p:cTn>
+                        </p:par>
+                      </p:childTnLst>
+                    </p:cTn>
+                  </p:par>
+                  <p:par>
+                    <p:cTn id="8" fill="hold">
+                      <p:stCondLst>
+                        <p:cond delay="indefinite"/>
+                      </p:stCondLst>
+                      <p:childTnLst>
+                        <p:par>
+                          <p:cTn id="9" fill="hold">
+                            <p:stCondLst>
+                              <p:cond delay="0"/>
+                            </p:stCondLst>
+                            <p:childTnLst>
+                              <p:par>
+                                <p:cTn id="10" presetID="10" presetClass="entr" presetSubtype="0" fill="hold" grpId="0" nodeType="clickEffect">
+                                  <p:stCondLst>
+                                    <p:cond delay="0"/>
+                                  </p:stCondLst>
+                                  <p:childTnLst>
+                                    <p:set>
+                                      <p:cBhvr>
+                                        <p:cTn id="11" dur="1" fill="hold">
+                                          <p:stCondLst>
+                                            <p:cond delay="0"/>
+                                          </p:stCondLst>
+                                        </p:cTn>
+                                        <p:tgtEl>
+                                          <p:spTgt spid="3">
+                                            <p:txEl>
+                                              <p:pRg st="1" end="1"/>
+                                            </p:txEl>
+                                          </p:spTgt>
+                                        </p:tgtEl>
+                                        <p:attrNameLst>
+                                          <p:attrName>style.visibility</p:attrName>
+                                        </p:attrNameLst>
+                                      </p:cBhvr>
+                                      <p:to>
+                                        <p:strVal val="visible"/>
+                                      </p:to>
+                                    </p:set>
+                                    <p:animEffect transition="in" filter="fade">
+                                      <p:cBhvr>
+                                        <p:cTn id="12" dur="500"/>
+                                        <p:tgtEl>
+                                          <p:spTgt spid="3">
+                                            <p:txEl>
+                                              <p:pRg st="1" end="1"/>
+                                            </p:txEl>
+                                          </p:spTgt>
+                                        </p:tgtEl>
+                                      </p:cBhvr>
+                                    </p:animEffect>
+                                  </p:childTnLst>
+                                </p:cTn>
+                              </p:par>
+                            </p:childTnLst>
+                          </p:cTn>
+                        </p:par>
+                      </p:childTnLst>
+                    </p:cTn>
+                  </p:par>
+                </p:childTnLst>
+              </p:cTn>
+              <p:prevCondLst>
+                <p:cond evt="onPrev" delay="0">
+                  <p:tgtEl>
+                    <p:sldTgt/>
+                  </p:tgtEl>
+                </p:cond>
+              </p:prevCondLst>
+              <p:nextCondLst>
+                <p:cond evt="onNext" delay="0">
+                  <p:tgtEl>
+                    <p:sldTgt/>
+                  </p:tgtEl>
+                </p:cond>
+              </p:nextCondLst>
+            </p:seq>
+          </p:childTnLst>
+        </p:cTn>
+      </p:par>
+    </p:tnLst>
+    <p:bldLst>
+      <p:bldP spid="3" grpId="0" build="p"/>
+    </p:bldLst>
+  </p:timing>
 </p:sld>
 </file>
 
@@ -6749,6 +9309,222 @@
   <p:clrMapOvr>
     <a:masterClrMapping/>
   </p:clrMapOvr>
+  <p:timing>
+    <p:tnLst>
+      <p:par>
+        <p:cTn id="1" dur="indefinite" restart="never" nodeType="tmRoot">
+          <p:childTnLst>
+            <p:seq concurrent="1" nextAc="seek">
+              <p:cTn id="2" dur="indefinite" nodeType="mainSeq">
+                <p:childTnLst>
+                  <p:par>
+                    <p:cTn id="3" fill="hold">
+                      <p:stCondLst>
+                        <p:cond delay="indefinite"/>
+                      </p:stCondLst>
+                      <p:childTnLst>
+                        <p:par>
+                          <p:cTn id="4" fill="hold">
+                            <p:stCondLst>
+                              <p:cond delay="0"/>
+                            </p:stCondLst>
+                            <p:childTnLst>
+                              <p:par>
+                                <p:cTn id="5" presetID="10" presetClass="entr" presetSubtype="0" fill="hold" grpId="0" nodeType="clickEffect">
+                                  <p:stCondLst>
+                                    <p:cond delay="0"/>
+                                  </p:stCondLst>
+                                  <p:childTnLst>
+                                    <p:set>
+                                      <p:cBhvr>
+                                        <p:cTn id="6" dur="1" fill="hold">
+                                          <p:stCondLst>
+                                            <p:cond delay="0"/>
+                                          </p:stCondLst>
+                                        </p:cTn>
+                                        <p:tgtEl>
+                                          <p:spTgt spid="3">
+                                            <p:txEl>
+                                              <p:pRg st="0" end="0"/>
+                                            </p:txEl>
+                                          </p:spTgt>
+                                        </p:tgtEl>
+                                        <p:attrNameLst>
+                                          <p:attrName>style.visibility</p:attrName>
+                                        </p:attrNameLst>
+                                      </p:cBhvr>
+                                      <p:to>
+                                        <p:strVal val="visible"/>
+                                      </p:to>
+                                    </p:set>
+                                    <p:animEffect transition="in" filter="fade">
+                                      <p:cBhvr>
+                                        <p:cTn id="7" dur="500"/>
+                                        <p:tgtEl>
+                                          <p:spTgt spid="3">
+                                            <p:txEl>
+                                              <p:pRg st="0" end="0"/>
+                                            </p:txEl>
+                                          </p:spTgt>
+                                        </p:tgtEl>
+                                      </p:cBhvr>
+                                    </p:animEffect>
+                                  </p:childTnLst>
+                                </p:cTn>
+                              </p:par>
+                            </p:childTnLst>
+                          </p:cTn>
+                        </p:par>
+                      </p:childTnLst>
+                    </p:cTn>
+                  </p:par>
+                  <p:par>
+                    <p:cTn id="8" fill="hold">
+                      <p:stCondLst>
+                        <p:cond delay="indefinite"/>
+                      </p:stCondLst>
+                      <p:childTnLst>
+                        <p:par>
+                          <p:cTn id="9" fill="hold">
+                            <p:stCondLst>
+                              <p:cond delay="0"/>
+                            </p:stCondLst>
+                            <p:childTnLst>
+                              <p:par>
+                                <p:cTn id="10" presetID="10" presetClass="entr" presetSubtype="0" fill="hold" grpId="0" nodeType="clickEffect">
+                                  <p:stCondLst>
+                                    <p:cond delay="0"/>
+                                  </p:stCondLst>
+                                  <p:childTnLst>
+                                    <p:set>
+                                      <p:cBhvr>
+                                        <p:cTn id="11" dur="1" fill="hold">
+                                          <p:stCondLst>
+                                            <p:cond delay="0"/>
+                                          </p:stCondLst>
+                                        </p:cTn>
+                                        <p:tgtEl>
+                                          <p:spTgt spid="3">
+                                            <p:txEl>
+                                              <p:pRg st="1" end="1"/>
+                                            </p:txEl>
+                                          </p:spTgt>
+                                        </p:tgtEl>
+                                        <p:attrNameLst>
+                                          <p:attrName>style.visibility</p:attrName>
+                                        </p:attrNameLst>
+                                      </p:cBhvr>
+                                      <p:to>
+                                        <p:strVal val="visible"/>
+                                      </p:to>
+                                    </p:set>
+                                    <p:animEffect transition="in" filter="fade">
+                                      <p:cBhvr>
+                                        <p:cTn id="12" dur="500"/>
+                                        <p:tgtEl>
+                                          <p:spTgt spid="3">
+                                            <p:txEl>
+                                              <p:pRg st="1" end="1"/>
+                                            </p:txEl>
+                                          </p:spTgt>
+                                        </p:tgtEl>
+                                      </p:cBhvr>
+                                    </p:animEffect>
+                                  </p:childTnLst>
+                                </p:cTn>
+                              </p:par>
+                            </p:childTnLst>
+                          </p:cTn>
+                        </p:par>
+                      </p:childTnLst>
+                    </p:cTn>
+                  </p:par>
+                  <p:par>
+                    <p:cTn id="13" fill="hold">
+                      <p:stCondLst>
+                        <p:cond delay="indefinite"/>
+                      </p:stCondLst>
+                      <p:childTnLst>
+                        <p:par>
+                          <p:cTn id="14" fill="hold">
+                            <p:stCondLst>
+                              <p:cond delay="0"/>
+                            </p:stCondLst>
+                            <p:childTnLst>
+                              <p:par>
+                                <p:cTn id="15" presetID="10" presetClass="entr" presetSubtype="0" fill="hold" grpId="0" nodeType="clickEffect">
+                                  <p:stCondLst>
+                                    <p:cond delay="0"/>
+                                  </p:stCondLst>
+                                  <p:childTnLst>
+                                    <p:set>
+                                      <p:cBhvr>
+                                        <p:cTn id="16" dur="1" fill="hold">
+                                          <p:stCondLst>
+                                            <p:cond delay="0"/>
+                                          </p:stCondLst>
+                                        </p:cTn>
+                                        <p:tgtEl>
+                                          <p:spTgt spid="3">
+                                            <p:txEl>
+                                              <p:pRg st="2" end="2"/>
+                                            </p:txEl>
+                                          </p:spTgt>
+                                        </p:tgtEl>
+                                        <p:attrNameLst>
+                                          <p:attrName>style.visibility</p:attrName>
+                                        </p:attrNameLst>
+                                      </p:cBhvr>
+                                      <p:to>
+                                        <p:strVal val="visible"/>
+                                      </p:to>
+                                    </p:set>
+                                    <p:animEffect transition="in" filter="fade">
+                                      <p:cBhvr>
+                                        <p:cTn id="17" dur="500"/>
+                                        <p:tgtEl>
+                                          <p:spTgt spid="3">
+                                            <p:txEl>
+                                              <p:pRg st="2" end="2"/>
+                                            </p:txEl>
+                                          </p:spTgt>
+                                        </p:tgtEl>
+                                      </p:cBhvr>
+                                    </p:animEffect>
+                                  </p:childTnLst>
+                                </p:cTn>
+                              </p:par>
+                            </p:childTnLst>
+                          </p:cTn>
+                        </p:par>
+                      </p:childTnLst>
+                    </p:cTn>
+                  </p:par>
+                </p:childTnLst>
+              </p:cTn>
+              <p:prevCondLst>
+                <p:cond evt="onPrev" delay="0">
+                  <p:tgtEl>
+                    <p:sldTgt/>
+                  </p:tgtEl>
+                </p:cond>
+              </p:prevCondLst>
+              <p:nextCondLst>
+                <p:cond evt="onNext" delay="0">
+                  <p:tgtEl>
+                    <p:sldTgt/>
+                  </p:tgtEl>
+                </p:cond>
+              </p:nextCondLst>
+            </p:seq>
+          </p:childTnLst>
+        </p:cTn>
+      </p:par>
+    </p:tnLst>
+    <p:bldLst>
+      <p:bldP spid="3" grpId="0" build="p"/>
+    </p:bldLst>
+  </p:timing>
 </p:sld>
 </file>
 
@@ -6787,7 +9563,7 @@
         </p:nvSpPr>
         <p:spPr>
           <a:xfrm>
-            <a:off x="628650" y="1111501"/>
+            <a:off x="628650" y="660812"/>
             <a:ext cx="7886700" cy="994172"/>
           </a:xfrm>
         </p:spPr>
@@ -6875,25 +9651,120 @@
               <a:buNone/>
             </a:pPr>
             <a:r>
-              <a:rPr lang="en-US" sz="1350" dirty="0"/>
-              <a:t>*</a:t>
-            </a:r>
-            <a:r>
               <a:rPr lang="en-US" sz="1350" dirty="0">
                 <a:hlinkClick r:id="rId2"/>
               </a:rPr>
-              <a:t>w</a:t>
-            </a:r>
-            <a:r>
-              <a:rPr lang="en-US" sz="1350" dirty="0">
-                <a:hlinkClick r:id="rId2"/>
-              </a:rPr>
-              <a:t>iki-link</a:t>
+              <a:t>wiki-link</a:t>
             </a:r>
             <a:endParaRPr lang="en-US" sz="1350" dirty="0"/>
           </a:p>
         </p:txBody>
       </p:sp>
+      <p:pic>
+        <p:nvPicPr>
+          <p:cNvPr id="4" name="Picture 3">
+            <a:extLst>
+              <a:ext uri="{FF2B5EF4-FFF2-40B4-BE49-F238E27FC236}">
+                <a16:creationId xmlns:a16="http://schemas.microsoft.com/office/drawing/2014/main" id="{CCE980CA-3CED-452B-89BF-B3C7E8A4DF59}"/>
+              </a:ext>
+            </a:extLst>
+          </p:cNvPr>
+          <p:cNvPicPr>
+            <a:picLocks noChangeAspect="1"/>
+          </p:cNvPicPr>
+          <p:nvPr/>
+        </p:nvPicPr>
+        <p:blipFill rotWithShape="1">
+          <a:blip r:embed="rId3">
+            <a:extLst>
+              <a:ext uri="{28A0092B-C50C-407E-A947-70E740481C1C}">
+                <a14:useLocalDpi xmlns:a14="http://schemas.microsoft.com/office/drawing/2010/main" val="0"/>
+              </a:ext>
+            </a:extLst>
+          </a:blip>
+          <a:srcRect l="51333" t="38474" r="36952" b="49079"/>
+          <a:stretch/>
+        </p:blipFill>
+        <p:spPr>
+          <a:xfrm>
+            <a:off x="5010443" y="5714518"/>
+            <a:ext cx="1071154" cy="853440"/>
+          </a:xfrm>
+          <a:prstGeom prst="rect">
+            <a:avLst/>
+          </a:prstGeom>
+        </p:spPr>
+      </p:pic>
+      <p:pic>
+        <p:nvPicPr>
+          <p:cNvPr id="5" name="Picture 4">
+            <a:extLst>
+              <a:ext uri="{FF2B5EF4-FFF2-40B4-BE49-F238E27FC236}">
+                <a16:creationId xmlns:a16="http://schemas.microsoft.com/office/drawing/2014/main" id="{0DDC3823-75FD-4715-B1D5-5E881C10456C}"/>
+              </a:ext>
+            </a:extLst>
+          </p:cNvPr>
+          <p:cNvPicPr>
+            <a:picLocks noChangeAspect="1"/>
+          </p:cNvPicPr>
+          <p:nvPr/>
+        </p:nvPicPr>
+        <p:blipFill rotWithShape="1">
+          <a:blip r:embed="rId4">
+            <a:extLst>
+              <a:ext uri="{28A0092B-C50C-407E-A947-70E740481C1C}">
+                <a14:useLocalDpi xmlns:a14="http://schemas.microsoft.com/office/drawing/2010/main" val="0"/>
+              </a:ext>
+            </a:extLst>
+          </a:blip>
+          <a:srcRect l="63048" t="21834" r="28666" b="64449"/>
+          <a:stretch/>
+        </p:blipFill>
+        <p:spPr>
+          <a:xfrm>
+            <a:off x="6081597" y="4573694"/>
+            <a:ext cx="757646" cy="940527"/>
+          </a:xfrm>
+          <a:prstGeom prst="rect">
+            <a:avLst/>
+          </a:prstGeom>
+        </p:spPr>
+      </p:pic>
+      <p:pic>
+        <p:nvPicPr>
+          <p:cNvPr id="6" name="Picture 5">
+            <a:extLst>
+              <a:ext uri="{FF2B5EF4-FFF2-40B4-BE49-F238E27FC236}">
+                <a16:creationId xmlns:a16="http://schemas.microsoft.com/office/drawing/2014/main" id="{942AC7C3-5606-47ED-8EBB-EBDB6FEF35C2}"/>
+              </a:ext>
+            </a:extLst>
+          </p:cNvPr>
+          <p:cNvPicPr>
+            <a:picLocks noChangeAspect="1"/>
+          </p:cNvPicPr>
+          <p:nvPr/>
+        </p:nvPicPr>
+        <p:blipFill rotWithShape="1">
+          <a:blip r:embed="rId5">
+            <a:extLst>
+              <a:ext uri="{28A0092B-C50C-407E-A947-70E740481C1C}">
+                <a14:useLocalDpi xmlns:a14="http://schemas.microsoft.com/office/drawing/2010/main" val="0"/>
+              </a:ext>
+            </a:extLst>
+          </a:blip>
+          <a:srcRect l="55048" t="28820" r="30476" b="55557"/>
+          <a:stretch/>
+        </p:blipFill>
+        <p:spPr>
+          <a:xfrm>
+            <a:off x="5350077" y="5052667"/>
+            <a:ext cx="1323703" cy="1071154"/>
+          </a:xfrm>
+          <a:prstGeom prst="rect">
+            <a:avLst/>
+          </a:prstGeom>
+        </p:spPr>
+      </p:pic>
     </p:spTree>
     <p:extLst>
       <p:ext uri="{BB962C8B-B14F-4D97-AF65-F5344CB8AC3E}">
@@ -6904,6 +9775,284 @@
   <p:clrMapOvr>
     <a:masterClrMapping/>
   </p:clrMapOvr>
+  <p:timing>
+    <p:tnLst>
+      <p:par>
+        <p:cTn id="1" dur="indefinite" restart="never" nodeType="tmRoot">
+          <p:childTnLst>
+            <p:seq concurrent="1" nextAc="seek">
+              <p:cTn id="2" dur="indefinite" nodeType="mainSeq">
+                <p:childTnLst>
+                  <p:par>
+                    <p:cTn id="3" fill="hold">
+                      <p:stCondLst>
+                        <p:cond delay="indefinite"/>
+                        <p:cond evt="onBegin" delay="0">
+                          <p:tn val="2"/>
+                        </p:cond>
+                      </p:stCondLst>
+                      <p:childTnLst>
+                        <p:par>
+                          <p:cTn id="4" fill="hold">
+                            <p:stCondLst>
+                              <p:cond delay="0"/>
+                            </p:stCondLst>
+                            <p:childTnLst>
+                              <p:par>
+                                <p:cTn id="5" presetID="32" presetClass="emph" presetSubtype="0" repeatCount="indefinite" fill="hold" nodeType="afterEffect">
+                                  <p:stCondLst>
+                                    <p:cond delay="0"/>
+                                  </p:stCondLst>
+                                  <p:childTnLst>
+                                    <p:animRot by="120000">
+                                      <p:cBhvr>
+                                        <p:cTn id="6" dur="200" fill="hold">
+                                          <p:stCondLst>
+                                            <p:cond delay="0"/>
+                                          </p:stCondLst>
+                                        </p:cTn>
+                                        <p:tgtEl>
+                                          <p:spTgt spid="4"/>
+                                        </p:tgtEl>
+                                        <p:attrNameLst>
+                                          <p:attrName>r</p:attrName>
+                                        </p:attrNameLst>
+                                      </p:cBhvr>
+                                    </p:animRot>
+                                    <p:animRot by="-240000">
+                                      <p:cBhvr>
+                                        <p:cTn id="7" dur="400" fill="hold">
+                                          <p:stCondLst>
+                                            <p:cond delay="400"/>
+                                          </p:stCondLst>
+                                        </p:cTn>
+                                        <p:tgtEl>
+                                          <p:spTgt spid="4"/>
+                                        </p:tgtEl>
+                                        <p:attrNameLst>
+                                          <p:attrName>r</p:attrName>
+                                        </p:attrNameLst>
+                                      </p:cBhvr>
+                                    </p:animRot>
+                                    <p:animRot by="240000">
+                                      <p:cBhvr>
+                                        <p:cTn id="8" dur="400" fill="hold">
+                                          <p:stCondLst>
+                                            <p:cond delay="800"/>
+                                          </p:stCondLst>
+                                        </p:cTn>
+                                        <p:tgtEl>
+                                          <p:spTgt spid="4"/>
+                                        </p:tgtEl>
+                                        <p:attrNameLst>
+                                          <p:attrName>r</p:attrName>
+                                        </p:attrNameLst>
+                                      </p:cBhvr>
+                                    </p:animRot>
+                                    <p:animRot by="-240000">
+                                      <p:cBhvr>
+                                        <p:cTn id="9" dur="400" fill="hold">
+                                          <p:stCondLst>
+                                            <p:cond delay="1200"/>
+                                          </p:stCondLst>
+                                        </p:cTn>
+                                        <p:tgtEl>
+                                          <p:spTgt spid="4"/>
+                                        </p:tgtEl>
+                                        <p:attrNameLst>
+                                          <p:attrName>r</p:attrName>
+                                        </p:attrNameLst>
+                                      </p:cBhvr>
+                                    </p:animRot>
+                                    <p:animRot by="120000">
+                                      <p:cBhvr>
+                                        <p:cTn id="10" dur="400" fill="hold">
+                                          <p:stCondLst>
+                                            <p:cond delay="1600"/>
+                                          </p:stCondLst>
+                                        </p:cTn>
+                                        <p:tgtEl>
+                                          <p:spTgt spid="4"/>
+                                        </p:tgtEl>
+                                        <p:attrNameLst>
+                                          <p:attrName>r</p:attrName>
+                                        </p:attrNameLst>
+                                      </p:cBhvr>
+                                    </p:animRot>
+                                  </p:childTnLst>
+                                </p:cTn>
+                              </p:par>
+                              <p:par>
+                                <p:cTn id="11" presetID="6" presetClass="emph" presetSubtype="0" repeatCount="indefinite" autoRev="1" fill="hold" nodeType="withEffect">
+                                  <p:stCondLst>
+                                    <p:cond delay="0"/>
+                                  </p:stCondLst>
+                                  <p:childTnLst>
+                                    <p:animScale>
+                                      <p:cBhvr>
+                                        <p:cTn id="12" dur="2000" fill="hold"/>
+                                        <p:tgtEl>
+                                          <p:spTgt spid="5"/>
+                                        </p:tgtEl>
+                                      </p:cBhvr>
+                                      <p:by x="110000" y="110000"/>
+                                    </p:animScale>
+                                  </p:childTnLst>
+                                </p:cTn>
+                              </p:par>
+                            </p:childTnLst>
+                          </p:cTn>
+                        </p:par>
+                      </p:childTnLst>
+                    </p:cTn>
+                  </p:par>
+                  <p:par>
+                    <p:cTn id="13" fill="hold">
+                      <p:stCondLst>
+                        <p:cond delay="indefinite"/>
+                      </p:stCondLst>
+                      <p:childTnLst>
+                        <p:par>
+                          <p:cTn id="14" fill="hold">
+                            <p:stCondLst>
+                              <p:cond delay="0"/>
+                            </p:stCondLst>
+                            <p:childTnLst>
+                              <p:par>
+                                <p:cTn id="15" presetID="10" presetClass="entr" presetSubtype="0" fill="hold" grpId="0" nodeType="clickEffect">
+                                  <p:stCondLst>
+                                    <p:cond delay="0"/>
+                                  </p:stCondLst>
+                                  <p:childTnLst>
+                                    <p:set>
+                                      <p:cBhvr>
+                                        <p:cTn id="16" dur="1" fill="hold">
+                                          <p:stCondLst>
+                                            <p:cond delay="0"/>
+                                          </p:stCondLst>
+                                        </p:cTn>
+                                        <p:tgtEl>
+                                          <p:spTgt spid="3">
+                                            <p:txEl>
+                                              <p:pRg st="0" end="0"/>
+                                            </p:txEl>
+                                          </p:spTgt>
+                                        </p:tgtEl>
+                                        <p:attrNameLst>
+                                          <p:attrName>style.visibility</p:attrName>
+                                        </p:attrNameLst>
+                                      </p:cBhvr>
+                                      <p:to>
+                                        <p:strVal val="visible"/>
+                                      </p:to>
+                                    </p:set>
+                                    <p:animEffect transition="in" filter="fade">
+                                      <p:cBhvr>
+                                        <p:cTn id="17" dur="500"/>
+                                        <p:tgtEl>
+                                          <p:spTgt spid="3">
+                                            <p:txEl>
+                                              <p:pRg st="0" end="0"/>
+                                            </p:txEl>
+                                          </p:spTgt>
+                                        </p:tgtEl>
+                                      </p:cBhvr>
+                                    </p:animEffect>
+                                  </p:childTnLst>
+                                </p:cTn>
+                              </p:par>
+                            </p:childTnLst>
+                          </p:cTn>
+                        </p:par>
+                      </p:childTnLst>
+                    </p:cTn>
+                  </p:par>
+                  <p:par>
+                    <p:cTn id="18" fill="hold">
+                      <p:stCondLst>
+                        <p:cond delay="indefinite"/>
+                      </p:stCondLst>
+                      <p:childTnLst>
+                        <p:par>
+                          <p:cTn id="19" fill="hold">
+                            <p:stCondLst>
+                              <p:cond delay="0"/>
+                            </p:stCondLst>
+                            <p:childTnLst>
+                              <p:par>
+                                <p:cTn id="20" presetID="10" presetClass="entr" presetSubtype="0" fill="hold" grpId="0" nodeType="clickEffect">
+                                  <p:stCondLst>
+                                    <p:cond delay="0"/>
+                                  </p:stCondLst>
+                                  <p:childTnLst>
+                                    <p:set>
+                                      <p:cBhvr>
+                                        <p:cTn id="21" dur="1" fill="hold">
+                                          <p:stCondLst>
+                                            <p:cond delay="0"/>
+                                          </p:stCondLst>
+                                        </p:cTn>
+                                        <p:tgtEl>
+                                          <p:spTgt spid="3">
+                                            <p:txEl>
+                                              <p:pRg st="1" end="1"/>
+                                            </p:txEl>
+                                          </p:spTgt>
+                                        </p:tgtEl>
+                                        <p:attrNameLst>
+                                          <p:attrName>style.visibility</p:attrName>
+                                        </p:attrNameLst>
+                                      </p:cBhvr>
+                                      <p:to>
+                                        <p:strVal val="visible"/>
+                                      </p:to>
+                                    </p:set>
+                                    <p:animEffect transition="in" filter="fade">
+                                      <p:cBhvr>
+                                        <p:cTn id="22" dur="500"/>
+                                        <p:tgtEl>
+                                          <p:spTgt spid="3">
+                                            <p:txEl>
+                                              <p:pRg st="1" end="1"/>
+                                            </p:txEl>
+                                          </p:spTgt>
+                                        </p:tgtEl>
+                                      </p:cBhvr>
+                                    </p:animEffect>
+                                  </p:childTnLst>
+                                </p:cTn>
+                              </p:par>
+                            </p:childTnLst>
+                          </p:cTn>
+                        </p:par>
+                      </p:childTnLst>
+                    </p:cTn>
+                  </p:par>
+                </p:childTnLst>
+              </p:cTn>
+              <p:prevCondLst>
+                <p:cond evt="onPrev" delay="0">
+                  <p:tgtEl>
+                    <p:sldTgt/>
+                  </p:tgtEl>
+                </p:cond>
+              </p:prevCondLst>
+              <p:nextCondLst>
+                <p:cond evt="onNext" delay="0">
+                  <p:tgtEl>
+                    <p:sldTgt/>
+                  </p:tgtEl>
+                </p:cond>
+              </p:nextCondLst>
+            </p:seq>
+          </p:childTnLst>
+        </p:cTn>
+      </p:par>
+    </p:tnLst>
+    <p:bldLst>
+      <p:bldP spid="3" grpId="0" uiExpand="1" build="p"/>
+    </p:bldLst>
+  </p:timing>
 </p:sld>
 </file>
 
@@ -7596,12 +10745,20 @@
           <a:bodyPr/>
           <a:lstStyle/>
           <a:p>
+            <a:pPr marL="514350" indent="-514350">
+              <a:buFont typeface="+mj-lt"/>
+              <a:buAutoNum type="arabicPeriod"/>
+            </a:pPr>
             <a:r>
               <a:rPr lang="en-US" dirty="0"/>
               <a:t>Log both IP layer IP address and ‘X-Forwarded-For’ IP address</a:t>
             </a:r>
           </a:p>
           <a:p>
+            <a:pPr marL="514350" indent="-514350">
+              <a:buFont typeface="+mj-lt"/>
+              <a:buAutoNum type="arabicPeriod"/>
+            </a:pPr>
             <a:r>
               <a:rPr lang="en-US" dirty="0"/>
               <a:t>For each new client login attempt, check against </a:t>
@@ -7663,6 +10820,196 @@
   <p:clrMapOvr>
     <a:masterClrMapping/>
   </p:clrMapOvr>
+  <p:timing>
+    <p:tnLst>
+      <p:par>
+        <p:cTn id="1" dur="indefinite" restart="never" nodeType="tmRoot">
+          <p:childTnLst>
+            <p:seq concurrent="1" nextAc="seek">
+              <p:cTn id="2" dur="indefinite" nodeType="mainSeq">
+                <p:childTnLst>
+                  <p:par>
+                    <p:cTn id="3" fill="hold">
+                      <p:stCondLst>
+                        <p:cond delay="indefinite"/>
+                      </p:stCondLst>
+                      <p:childTnLst>
+                        <p:par>
+                          <p:cTn id="4" fill="hold">
+                            <p:stCondLst>
+                              <p:cond delay="0"/>
+                            </p:stCondLst>
+                            <p:childTnLst>
+                              <p:par>
+                                <p:cTn id="5" presetID="10" presetClass="entr" presetSubtype="0" fill="hold" grpId="0" nodeType="clickEffect">
+                                  <p:stCondLst>
+                                    <p:cond delay="0"/>
+                                  </p:stCondLst>
+                                  <p:childTnLst>
+                                    <p:set>
+                                      <p:cBhvr>
+                                        <p:cTn id="6" dur="1" fill="hold">
+                                          <p:stCondLst>
+                                            <p:cond delay="0"/>
+                                          </p:stCondLst>
+                                        </p:cTn>
+                                        <p:tgtEl>
+                                          <p:spTgt spid="3">
+                                            <p:txEl>
+                                              <p:pRg st="0" end="0"/>
+                                            </p:txEl>
+                                          </p:spTgt>
+                                        </p:tgtEl>
+                                        <p:attrNameLst>
+                                          <p:attrName>style.visibility</p:attrName>
+                                        </p:attrNameLst>
+                                      </p:cBhvr>
+                                      <p:to>
+                                        <p:strVal val="visible"/>
+                                      </p:to>
+                                    </p:set>
+                                    <p:animEffect transition="in" filter="fade">
+                                      <p:cBhvr>
+                                        <p:cTn id="7" dur="500"/>
+                                        <p:tgtEl>
+                                          <p:spTgt spid="3">
+                                            <p:txEl>
+                                              <p:pRg st="0" end="0"/>
+                                            </p:txEl>
+                                          </p:spTgt>
+                                        </p:tgtEl>
+                                      </p:cBhvr>
+                                    </p:animEffect>
+                                  </p:childTnLst>
+                                </p:cTn>
+                              </p:par>
+                              <p:par>
+                                <p:cTn id="8" presetID="10" presetClass="entr" presetSubtype="0" fill="hold" nodeType="withEffect">
+                                  <p:stCondLst>
+                                    <p:cond delay="0"/>
+                                  </p:stCondLst>
+                                  <p:childTnLst>
+                                    <p:set>
+                                      <p:cBhvr>
+                                        <p:cTn id="9" dur="1" fill="hold">
+                                          <p:stCondLst>
+                                            <p:cond delay="0"/>
+                                          </p:stCondLst>
+                                        </p:cTn>
+                                        <p:tgtEl>
+                                          <p:spTgt spid="5"/>
+                                        </p:tgtEl>
+                                        <p:attrNameLst>
+                                          <p:attrName>style.visibility</p:attrName>
+                                        </p:attrNameLst>
+                                      </p:cBhvr>
+                                      <p:to>
+                                        <p:strVal val="visible"/>
+                                      </p:to>
+                                    </p:set>
+                                    <p:animEffect transition="in" filter="fade">
+                                      <p:cBhvr>
+                                        <p:cTn id="10" dur="500"/>
+                                        <p:tgtEl>
+                                          <p:spTgt spid="5"/>
+                                        </p:tgtEl>
+                                      </p:cBhvr>
+                                    </p:animEffect>
+                                  </p:childTnLst>
+                                </p:cTn>
+                              </p:par>
+                            </p:childTnLst>
+                          </p:cTn>
+                        </p:par>
+                      </p:childTnLst>
+                    </p:cTn>
+                  </p:par>
+                  <p:par>
+                    <p:cTn id="11" fill="hold">
+                      <p:stCondLst>
+                        <p:cond delay="indefinite"/>
+                      </p:stCondLst>
+                      <p:childTnLst>
+                        <p:par>
+                          <p:cTn id="12" fill="hold">
+                            <p:stCondLst>
+                              <p:cond delay="0"/>
+                            </p:stCondLst>
+                            <p:childTnLst>
+                              <p:par>
+                                <p:cTn id="13" presetID="10" presetClass="entr" presetSubtype="0" fill="hold" grpId="0" nodeType="clickEffect">
+                                  <p:stCondLst>
+                                    <p:cond delay="0"/>
+                                  </p:stCondLst>
+                                  <p:childTnLst>
+                                    <p:set>
+                                      <p:cBhvr>
+                                        <p:cTn id="14" dur="1" fill="hold">
+                                          <p:stCondLst>
+                                            <p:cond delay="0"/>
+                                          </p:stCondLst>
+                                        </p:cTn>
+                                        <p:tgtEl>
+                                          <p:spTgt spid="3">
+                                            <p:txEl>
+                                              <p:pRg st="1" end="1"/>
+                                            </p:txEl>
+                                          </p:spTgt>
+                                        </p:tgtEl>
+                                        <p:attrNameLst>
+                                          <p:attrName>style.visibility</p:attrName>
+                                        </p:attrNameLst>
+                                      </p:cBhvr>
+                                      <p:to>
+                                        <p:strVal val="visible"/>
+                                      </p:to>
+                                    </p:set>
+                                    <p:animEffect transition="in" filter="fade">
+                                      <p:cBhvr>
+                                        <p:cTn id="15" dur="500"/>
+                                        <p:tgtEl>
+                                          <p:spTgt spid="3">
+                                            <p:txEl>
+                                              <p:pRg st="1" end="1"/>
+                                            </p:txEl>
+                                          </p:spTgt>
+                                        </p:tgtEl>
+                                      </p:cBhvr>
+                                    </p:animEffect>
+                                  </p:childTnLst>
+                                </p:cTn>
+                              </p:par>
+                            </p:childTnLst>
+                          </p:cTn>
+                        </p:par>
+                      </p:childTnLst>
+                    </p:cTn>
+                  </p:par>
+                </p:childTnLst>
+              </p:cTn>
+              <p:prevCondLst>
+                <p:cond evt="onPrev" delay="0">
+                  <p:tgtEl>
+                    <p:sldTgt/>
+                  </p:tgtEl>
+                </p:cond>
+              </p:prevCondLst>
+              <p:nextCondLst>
+                <p:cond evt="onNext" delay="0">
+                  <p:tgtEl>
+                    <p:sldTgt/>
+                  </p:tgtEl>
+                </p:cond>
+              </p:nextCondLst>
+            </p:seq>
+          </p:childTnLst>
+        </p:cTn>
+      </p:par>
+    </p:tnLst>
+    <p:bldLst>
+      <p:bldP spid="3" grpId="0" uiExpand="1" build="p"/>
+    </p:bldLst>
+  </p:timing>
 </p:sld>
 </file>
 
